--- a/images/plateimg.pptx
+++ b/images/plateimg.pptx
@@ -5,9 +5,7 @@
     <p:sldMasterId id="2147483648" r:id="rId1"/>
   </p:sldMasterIdLst>
   <p:sldIdLst>
-    <p:sldId id="256" r:id="rId2"/>
-    <p:sldId id="257" r:id="rId3"/>
-    <p:sldId id="258" r:id="rId4"/>
+    <p:sldId id="259" r:id="rId2"/>
   </p:sldIdLst>
   <p:sldSz cx="12192000" cy="6858000"/>
   <p:notesSz cx="6858000" cy="9144000"/>
@@ -261,7 +259,7 @@
           <a:p>
             <a:fld id="{F1435FB5-0B67-45F6-8A0D-BF174DE11C7A}" type="datetimeFigureOut">
               <a:rPr lang="ko-KR" altLang="en-US" smtClean="0"/>
-              <a:t>2026-02-05</a:t>
+              <a:t>2026-02-06</a:t>
             </a:fld>
             <a:endParaRPr lang="ko-KR" altLang="en-US"/>
           </a:p>
@@ -459,7 +457,7 @@
           <a:p>
             <a:fld id="{F1435FB5-0B67-45F6-8A0D-BF174DE11C7A}" type="datetimeFigureOut">
               <a:rPr lang="ko-KR" altLang="en-US" smtClean="0"/>
-              <a:t>2026-02-05</a:t>
+              <a:t>2026-02-06</a:t>
             </a:fld>
             <a:endParaRPr lang="ko-KR" altLang="en-US"/>
           </a:p>
@@ -667,7 +665,7 @@
           <a:p>
             <a:fld id="{F1435FB5-0B67-45F6-8A0D-BF174DE11C7A}" type="datetimeFigureOut">
               <a:rPr lang="ko-KR" altLang="en-US" smtClean="0"/>
-              <a:t>2026-02-05</a:t>
+              <a:t>2026-02-06</a:t>
             </a:fld>
             <a:endParaRPr lang="ko-KR" altLang="en-US"/>
           </a:p>
@@ -865,7 +863,7 @@
           <a:p>
             <a:fld id="{F1435FB5-0B67-45F6-8A0D-BF174DE11C7A}" type="datetimeFigureOut">
               <a:rPr lang="ko-KR" altLang="en-US" smtClean="0"/>
-              <a:t>2026-02-05</a:t>
+              <a:t>2026-02-06</a:t>
             </a:fld>
             <a:endParaRPr lang="ko-KR" altLang="en-US"/>
           </a:p>
@@ -1140,7 +1138,7 @@
           <a:p>
             <a:fld id="{F1435FB5-0B67-45F6-8A0D-BF174DE11C7A}" type="datetimeFigureOut">
               <a:rPr lang="ko-KR" altLang="en-US" smtClean="0"/>
-              <a:t>2026-02-05</a:t>
+              <a:t>2026-02-06</a:t>
             </a:fld>
             <a:endParaRPr lang="ko-KR" altLang="en-US"/>
           </a:p>
@@ -1405,7 +1403,7 @@
           <a:p>
             <a:fld id="{F1435FB5-0B67-45F6-8A0D-BF174DE11C7A}" type="datetimeFigureOut">
               <a:rPr lang="ko-KR" altLang="en-US" smtClean="0"/>
-              <a:t>2026-02-05</a:t>
+              <a:t>2026-02-06</a:t>
             </a:fld>
             <a:endParaRPr lang="ko-KR" altLang="en-US"/>
           </a:p>
@@ -1817,7 +1815,7 @@
           <a:p>
             <a:fld id="{F1435FB5-0B67-45F6-8A0D-BF174DE11C7A}" type="datetimeFigureOut">
               <a:rPr lang="ko-KR" altLang="en-US" smtClean="0"/>
-              <a:t>2026-02-05</a:t>
+              <a:t>2026-02-06</a:t>
             </a:fld>
             <a:endParaRPr lang="ko-KR" altLang="en-US"/>
           </a:p>
@@ -1958,7 +1956,7 @@
           <a:p>
             <a:fld id="{F1435FB5-0B67-45F6-8A0D-BF174DE11C7A}" type="datetimeFigureOut">
               <a:rPr lang="ko-KR" altLang="en-US" smtClean="0"/>
-              <a:t>2026-02-05</a:t>
+              <a:t>2026-02-06</a:t>
             </a:fld>
             <a:endParaRPr lang="ko-KR" altLang="en-US"/>
           </a:p>
@@ -2071,7 +2069,7 @@
           <a:p>
             <a:fld id="{F1435FB5-0B67-45F6-8A0D-BF174DE11C7A}" type="datetimeFigureOut">
               <a:rPr lang="ko-KR" altLang="en-US" smtClean="0"/>
-              <a:t>2026-02-05</a:t>
+              <a:t>2026-02-06</a:t>
             </a:fld>
             <a:endParaRPr lang="ko-KR" altLang="en-US"/>
           </a:p>
@@ -2382,7 +2380,7 @@
           <a:p>
             <a:fld id="{F1435FB5-0B67-45F6-8A0D-BF174DE11C7A}" type="datetimeFigureOut">
               <a:rPr lang="ko-KR" altLang="en-US" smtClean="0"/>
-              <a:t>2026-02-05</a:t>
+              <a:t>2026-02-06</a:t>
             </a:fld>
             <a:endParaRPr lang="ko-KR" altLang="en-US"/>
           </a:p>
@@ -2670,7 +2668,7 @@
           <a:p>
             <a:fld id="{F1435FB5-0B67-45F6-8A0D-BF174DE11C7A}" type="datetimeFigureOut">
               <a:rPr lang="ko-KR" altLang="en-US" smtClean="0"/>
-              <a:t>2026-02-05</a:t>
+              <a:t>2026-02-06</a:t>
             </a:fld>
             <a:endParaRPr lang="ko-KR" altLang="en-US"/>
           </a:p>
@@ -2911,7 +2909,7 @@
           <a:p>
             <a:fld id="{F1435FB5-0B67-45F6-8A0D-BF174DE11C7A}" type="datetimeFigureOut">
               <a:rPr lang="ko-KR" altLang="en-US" smtClean="0"/>
-              <a:t>2026-02-05</a:t>
+              <a:t>2026-02-06</a:t>
             </a:fld>
             <a:endParaRPr lang="ko-KR" altLang="en-US"/>
           </a:p>
@@ -3316,7 +3314,13 @@
   <p:cSld>
     <p:spTree>
       <p:nvGrpSpPr>
-        <p:cNvPr id="1" name=""/>
+        <p:cNvPr id="1" name="">
+          <a:extLst>
+            <a:ext uri="{FF2B5EF4-FFF2-40B4-BE49-F238E27FC236}">
+              <a16:creationId xmlns:a16="http://schemas.microsoft.com/office/drawing/2014/main" id="{A1D2673D-ECE2-D3C7-A261-D10814E20DC5}"/>
+            </a:ext>
+          </a:extLst>
+        </p:cNvPr>
         <p:cNvGrpSpPr/>
         <p:nvPr/>
       </p:nvGrpSpPr>
@@ -3333,7 +3337,7 @@
           <p:cNvPr id="22" name="그룹 21">
             <a:extLst>
               <a:ext uri="{FF2B5EF4-FFF2-40B4-BE49-F238E27FC236}">
-                <a16:creationId xmlns:a16="http://schemas.microsoft.com/office/drawing/2014/main" id="{469FA308-8478-888F-8934-9EEF5DF8DDD7}"/>
+                <a16:creationId xmlns:a16="http://schemas.microsoft.com/office/drawing/2014/main" id="{38E2D844-8503-BF03-983B-39951C903EC4}"/>
               </a:ext>
             </a:extLst>
           </p:cNvPr>
@@ -3342,224 +3346,18 @@
         </p:nvGrpSpPr>
         <p:grpSpPr>
           <a:xfrm>
-            <a:off x="2580112" y="173990"/>
-            <a:ext cx="6181090" cy="6181090"/>
-            <a:chOff x="2548215" y="173990"/>
-            <a:chExt cx="6181090" cy="6181090"/>
-          </a:xfrm>
-        </p:grpSpPr>
-        <p:pic>
-          <p:nvPicPr>
-            <p:cNvPr id="1026" name="Picture 2" descr="Stainless Steel Circular Plate, Thickness : &gt;5 mm at ₹ 230/kg in Bhopal">
-              <a:extLst>
-                <a:ext uri="{FF2B5EF4-FFF2-40B4-BE49-F238E27FC236}">
-                  <a16:creationId xmlns:a16="http://schemas.microsoft.com/office/drawing/2014/main" id="{BA1797D3-494B-1AD1-6E7B-6BAFCB71516F}"/>
-                </a:ext>
-              </a:extLst>
-            </p:cNvPr>
-            <p:cNvPicPr>
-              <a:picLocks noChangeAspect="1" noChangeArrowheads="1"/>
-            </p:cNvPicPr>
-            <p:nvPr/>
-          </p:nvPicPr>
-          <p:blipFill>
-            <a:blip r:embed="rId2">
-              <a:extLst>
-                <a:ext uri="{28A0092B-C50C-407E-A947-70E740481C1C}">
-                  <a14:useLocalDpi xmlns:a14="http://schemas.microsoft.com/office/drawing/2010/main" val="0"/>
-                </a:ext>
-              </a:extLst>
-            </a:blip>
-            <a:srcRect/>
-            <a:stretch>
-              <a:fillRect/>
-            </a:stretch>
-          </p:blipFill>
-          <p:spPr bwMode="auto">
-            <a:xfrm>
-              <a:off x="2548215" y="173990"/>
-              <a:ext cx="6181090" cy="6181090"/>
-            </a:xfrm>
-            <a:prstGeom prst="rect">
-              <a:avLst/>
-            </a:prstGeom>
-            <a:noFill/>
-            <a:extLst>
-              <a:ext uri="{909E8E84-426E-40DD-AFC4-6F175D3DCCD1}">
-                <a14:hiddenFill xmlns:a14="http://schemas.microsoft.com/office/drawing/2010/main">
-                  <a:solidFill>
-                    <a:srgbClr val="FFFFFF"/>
-                  </a:solidFill>
-                </a14:hiddenFill>
-              </a:ext>
-            </a:extLst>
-          </p:spPr>
-        </p:pic>
-        <p:pic>
-          <p:nvPicPr>
-            <p:cNvPr id="15" name="그림 14">
-              <a:extLst>
-                <a:ext uri="{FF2B5EF4-FFF2-40B4-BE49-F238E27FC236}">
-                  <a16:creationId xmlns:a16="http://schemas.microsoft.com/office/drawing/2014/main" id="{85FF3A75-3444-908A-7D85-1E784ED61C83}"/>
-                </a:ext>
-              </a:extLst>
-            </p:cNvPr>
-            <p:cNvPicPr>
-              <a:picLocks noChangeAspect="1"/>
-            </p:cNvPicPr>
-            <p:nvPr/>
-          </p:nvPicPr>
-          <p:blipFill>
-            <a:blip r:embed="rId3"/>
-            <a:stretch>
-              <a:fillRect/>
-            </a:stretch>
-          </p:blipFill>
-          <p:spPr>
-            <a:xfrm rot="10800000">
-              <a:off x="6604635" y="1475119"/>
-              <a:ext cx="1304657" cy="1298561"/>
-            </a:xfrm>
-            <a:prstGeom prst="rect">
-              <a:avLst/>
-            </a:prstGeom>
-            <a:scene3d>
-              <a:camera prst="perspectiveBelow" fov="6900000">
-                <a:rot lat="1800000" lon="0" rev="0"/>
-              </a:camera>
-              <a:lightRig rig="threePt" dir="t"/>
-            </a:scene3d>
-          </p:spPr>
-        </p:pic>
-        <p:pic>
-          <p:nvPicPr>
-            <p:cNvPr id="18" name="그림 17">
-              <a:extLst>
-                <a:ext uri="{FF2B5EF4-FFF2-40B4-BE49-F238E27FC236}">
-                  <a16:creationId xmlns:a16="http://schemas.microsoft.com/office/drawing/2014/main" id="{3C06875E-2E6E-05E2-6FF6-704FC802B9E8}"/>
-                </a:ext>
-              </a:extLst>
-            </p:cNvPr>
-            <p:cNvPicPr>
-              <a:picLocks noChangeAspect="1"/>
-            </p:cNvPicPr>
-            <p:nvPr/>
-          </p:nvPicPr>
-          <p:blipFill>
-            <a:blip r:embed="rId4"/>
-            <a:stretch>
-              <a:fillRect/>
-            </a:stretch>
-          </p:blipFill>
-          <p:spPr>
-            <a:xfrm>
-              <a:off x="3484611" y="1700729"/>
-              <a:ext cx="1298561" cy="1292464"/>
-            </a:xfrm>
-            <a:prstGeom prst="rect">
-              <a:avLst/>
-            </a:prstGeom>
-            <a:scene3d>
-              <a:camera prst="perspectiveRelaxedModerately">
-                <a:rot lat="1800000" lon="0" rev="0"/>
-              </a:camera>
-              <a:lightRig rig="threePt" dir="t"/>
-            </a:scene3d>
-          </p:spPr>
-        </p:pic>
-        <p:pic>
-          <p:nvPicPr>
-            <p:cNvPr id="21" name="그림 20">
-              <a:extLst>
-                <a:ext uri="{FF2B5EF4-FFF2-40B4-BE49-F238E27FC236}">
-                  <a16:creationId xmlns:a16="http://schemas.microsoft.com/office/drawing/2014/main" id="{EF972280-EE1F-BCC2-DF8D-B79B26C3C213}"/>
-                </a:ext>
-              </a:extLst>
-            </p:cNvPr>
-            <p:cNvPicPr>
-              <a:picLocks noChangeAspect="1"/>
-            </p:cNvPicPr>
-            <p:nvPr/>
-          </p:nvPicPr>
-          <p:blipFill>
-            <a:blip r:embed="rId5"/>
-            <a:stretch>
-              <a:fillRect/>
-            </a:stretch>
-          </p:blipFill>
-          <p:spPr>
-            <a:xfrm rot="10800000">
-              <a:off x="5351740" y="4173180"/>
-              <a:ext cx="914479" cy="914479"/>
-            </a:xfrm>
-            <a:prstGeom prst="rect">
-              <a:avLst/>
-            </a:prstGeom>
-            <a:scene3d>
-              <a:camera prst="perspectiveRelaxedModerately" fov="2700000">
-                <a:rot lat="1800000" lon="0" rev="0"/>
-              </a:camera>
-              <a:lightRig rig="threePt" dir="t"/>
-            </a:scene3d>
-          </p:spPr>
-        </p:pic>
-      </p:grpSp>
-    </p:spTree>
-    <p:extLst>
-      <p:ext uri="{BB962C8B-B14F-4D97-AF65-F5344CB8AC3E}">
-        <p14:creationId xmlns:p14="http://schemas.microsoft.com/office/powerpoint/2010/main" val="2891417709"/>
-      </p:ext>
-    </p:extLst>
-  </p:cSld>
-  <p:clrMapOvr>
-    <a:masterClrMapping/>
-  </p:clrMapOvr>
-</p:sld>
-</file>
-
-<file path=ppt/slides/slide2.xml><?xml version="1.0" encoding="utf-8"?>
-<p:sld xmlns:a="http://schemas.openxmlformats.org/drawingml/2006/main" xmlns:r="http://schemas.openxmlformats.org/officeDocument/2006/relationships" xmlns:p="http://schemas.openxmlformats.org/presentationml/2006/main">
-  <p:cSld>
-    <p:spTree>
-      <p:nvGrpSpPr>
-        <p:cNvPr id="1" name=""/>
-        <p:cNvGrpSpPr/>
-        <p:nvPr/>
-      </p:nvGrpSpPr>
-      <p:grpSpPr>
-        <a:xfrm>
-          <a:off x="0" y="0"/>
-          <a:ext cx="0" cy="0"/>
-          <a:chOff x="0" y="0"/>
-          <a:chExt cx="0" cy="0"/>
-        </a:xfrm>
-      </p:grpSpPr>
-      <p:grpSp>
-        <p:nvGrpSpPr>
-          <p:cNvPr id="24" name="그룹 23">
-            <a:extLst>
-              <a:ext uri="{FF2B5EF4-FFF2-40B4-BE49-F238E27FC236}">
-                <a16:creationId xmlns:a16="http://schemas.microsoft.com/office/drawing/2014/main" id="{E4951DF3-A628-62BE-6463-27884BCC4D4A}"/>
-              </a:ext>
-            </a:extLst>
-          </p:cNvPr>
-          <p:cNvGrpSpPr/>
-          <p:nvPr/>
-        </p:nvGrpSpPr>
-        <p:grpSpPr>
-          <a:xfrm>
-            <a:off x="1926417" y="817171"/>
-            <a:ext cx="6181090" cy="6181090"/>
-            <a:chOff x="1926417" y="817171"/>
-            <a:chExt cx="6181090" cy="6181090"/>
+            <a:off x="891999" y="446186"/>
+            <a:ext cx="9878214" cy="5595153"/>
+            <a:chOff x="891999" y="446186"/>
+            <a:chExt cx="9878214" cy="5595153"/>
           </a:xfrm>
         </p:grpSpPr>
         <p:grpSp>
           <p:nvGrpSpPr>
-            <p:cNvPr id="21" name="그룹 20">
+            <p:cNvPr id="6" name="그룹 5">
               <a:extLst>
                 <a:ext uri="{FF2B5EF4-FFF2-40B4-BE49-F238E27FC236}">
-                  <a16:creationId xmlns:a16="http://schemas.microsoft.com/office/drawing/2014/main" id="{2403C100-AEC6-3273-E174-A817D3B7BD3C}"/>
+                  <a16:creationId xmlns:a16="http://schemas.microsoft.com/office/drawing/2014/main" id="{B24A1F33-E87D-6121-41DF-00CE1BA367E5}"/>
                 </a:ext>
               </a:extLst>
             </p:cNvPr>
@@ -3568,23 +3366,23 @@
           </p:nvGrpSpPr>
           <p:grpSpPr>
             <a:xfrm>
-              <a:off x="1926417" y="817171"/>
-              <a:ext cx="6181090" cy="6181090"/>
-              <a:chOff x="2016587" y="386641"/>
-              <a:chExt cx="6181090" cy="6181090"/>
+              <a:off x="891999" y="446186"/>
+              <a:ext cx="1559799" cy="1753868"/>
+              <a:chOff x="761371" y="919049"/>
+              <a:chExt cx="1559799" cy="1753868"/>
             </a:xfrm>
           </p:grpSpPr>
           <p:pic>
             <p:nvPicPr>
-              <p:cNvPr id="3" name="Picture 2" descr="Stainless Steel Circular Plate, Thickness : &gt;5 mm at ₹ 230/kg in Bhopal">
+              <p:cNvPr id="16" name="그림 15" descr="패턴, 사각형, 예술, 직사각형이(가) 표시된 사진&#10;&#10;AI 생성 콘텐츠는 정확하지 않을 수 있습니다.">
                 <a:extLst>
                   <a:ext uri="{FF2B5EF4-FFF2-40B4-BE49-F238E27FC236}">
-                    <a16:creationId xmlns:a16="http://schemas.microsoft.com/office/drawing/2014/main" id="{BA0F8310-ED78-6EF0-1257-50C443267BF0}"/>
+                    <a16:creationId xmlns:a16="http://schemas.microsoft.com/office/drawing/2014/main" id="{A4EEA73F-ADD9-82C4-CE9F-296109F418DD}"/>
                   </a:ext>
                 </a:extLst>
               </p:cNvPr>
               <p:cNvPicPr>
-                <a:picLocks noChangeAspect="1" noChangeArrowheads="1"/>
+                <a:picLocks noChangeAspect="1"/>
               </p:cNvPicPr>
               <p:nvPr/>
             </p:nvPicPr>
@@ -3596,37 +3394,83 @@
                   </a:ext>
                 </a:extLst>
               </a:blip>
-              <a:srcRect/>
               <a:stretch>
                 <a:fillRect/>
               </a:stretch>
             </p:blipFill>
-            <p:spPr bwMode="auto">
+            <p:spPr>
               <a:xfrm>
-                <a:off x="2016587" y="386641"/>
-                <a:ext cx="6181090" cy="6181090"/>
+                <a:off x="761371" y="919049"/>
+                <a:ext cx="1384536" cy="1384536"/>
+              </a:xfrm>
+              <a:prstGeom prst="rect">
+                <a:avLst/>
+              </a:prstGeom>
+            </p:spPr>
+          </p:pic>
+          <p:sp>
+            <p:nvSpPr>
+              <p:cNvPr id="2" name="TextBox 1">
+                <a:extLst>
+                  <a:ext uri="{FF2B5EF4-FFF2-40B4-BE49-F238E27FC236}">
+                    <a16:creationId xmlns:a16="http://schemas.microsoft.com/office/drawing/2014/main" id="{6EF79323-726D-E9EF-31F2-E90BA36F8699}"/>
+                  </a:ext>
+                </a:extLst>
+              </p:cNvPr>
+              <p:cNvSpPr txBox="1"/>
+              <p:nvPr/>
+            </p:nvSpPr>
+            <p:spPr>
+              <a:xfrm>
+                <a:off x="861855" y="2303585"/>
+                <a:ext cx="1459315" cy="369332"/>
               </a:xfrm>
               <a:prstGeom prst="rect">
                 <a:avLst/>
               </a:prstGeom>
               <a:noFill/>
+            </p:spPr>
+            <p:txBody>
+              <a:bodyPr wrap="square" rtlCol="0">
+                <a:spAutoFit/>
+              </a:bodyPr>
+              <a:lstStyle/>
+              <a:p>
+                <a:r>
+                  <a:rPr lang="en-US" altLang="ko-KR" dirty="0"/>
+                  <a:t>position1</a:t>
+                </a:r>
+                <a:endParaRPr lang="ko-KR" altLang="en-US" dirty="0"/>
+              </a:p>
+            </p:txBody>
+          </p:sp>
+        </p:grpSp>
+        <p:grpSp>
+          <p:nvGrpSpPr>
+            <p:cNvPr id="10" name="그룹 9">
               <a:extLst>
-                <a:ext uri="{909E8E84-426E-40DD-AFC4-6F175D3DCCD1}">
-                  <a14:hiddenFill xmlns:a14="http://schemas.microsoft.com/office/drawing/2010/main">
-                    <a:solidFill>
-                      <a:srgbClr val="FFFFFF"/>
-                    </a:solidFill>
-                  </a14:hiddenFill>
+                <a:ext uri="{FF2B5EF4-FFF2-40B4-BE49-F238E27FC236}">
+                  <a16:creationId xmlns:a16="http://schemas.microsoft.com/office/drawing/2014/main" id="{AA7BBB7B-2689-B59D-3147-EA28A44C4CC4}"/>
                 </a:ext>
               </a:extLst>
-            </p:spPr>
-          </p:pic>
+            </p:cNvPr>
+            <p:cNvGrpSpPr/>
+            <p:nvPr/>
+          </p:nvGrpSpPr>
+          <p:grpSpPr>
+            <a:xfrm>
+              <a:off x="3286968" y="446186"/>
+              <a:ext cx="1596530" cy="1753867"/>
+              <a:chOff x="1193450" y="3698169"/>
+              <a:chExt cx="1596530" cy="1753867"/>
+            </a:xfrm>
+          </p:grpSpPr>
           <p:pic>
             <p:nvPicPr>
-              <p:cNvPr id="16" name="그림 15" descr="패턴, 사각형, 예술, 직사각형이(가) 표시된 사진&#10;&#10;AI 생성 콘텐츠는 정확하지 않을 수 있습니다.">
+              <p:cNvPr id="23" name="그림 22" descr="패턴, 사각형, 예술, 직사각형이(가) 표시된 사진&#10;&#10;AI 생성 콘텐츠는 정확하지 않을 수 있습니다.">
                 <a:extLst>
                   <a:ext uri="{FF2B5EF4-FFF2-40B4-BE49-F238E27FC236}">
-                    <a16:creationId xmlns:a16="http://schemas.microsoft.com/office/drawing/2014/main" id="{3F0E591A-D21F-901E-5F2F-77B776B926F0}"/>
+                    <a16:creationId xmlns:a16="http://schemas.microsoft.com/office/drawing/2014/main" id="{8F4C42E6-AE6B-954E-0717-0496EE80003E}"/>
                   </a:ext>
                 </a:extLst>
               </p:cNvPr>
@@ -3649,21 +3493,294 @@
             </p:blipFill>
             <p:spPr>
               <a:xfrm>
-                <a:off x="4117254" y="1453160"/>
-                <a:ext cx="685799" cy="685799"/>
+                <a:off x="1193450" y="3698169"/>
+                <a:ext cx="1384535" cy="1384535"/>
               </a:xfrm>
               <a:prstGeom prst="rect">
                 <a:avLst/>
               </a:prstGeom>
             </p:spPr>
           </p:pic>
+          <p:sp>
+            <p:nvSpPr>
+              <p:cNvPr id="4" name="TextBox 3">
+                <a:extLst>
+                  <a:ext uri="{FF2B5EF4-FFF2-40B4-BE49-F238E27FC236}">
+                    <a16:creationId xmlns:a16="http://schemas.microsoft.com/office/drawing/2014/main" id="{56C307E3-B30C-F2AB-95AE-C7E046E25862}"/>
+                  </a:ext>
+                </a:extLst>
+              </p:cNvPr>
+              <p:cNvSpPr txBox="1"/>
+              <p:nvPr/>
+            </p:nvSpPr>
+            <p:spPr>
+              <a:xfrm>
+                <a:off x="1330665" y="5082704"/>
+                <a:ext cx="1459315" cy="369332"/>
+              </a:xfrm>
+              <a:prstGeom prst="rect">
+                <a:avLst/>
+              </a:prstGeom>
+              <a:noFill/>
+            </p:spPr>
+            <p:txBody>
+              <a:bodyPr wrap="square" rtlCol="0">
+                <a:spAutoFit/>
+              </a:bodyPr>
+              <a:lstStyle/>
+              <a:p>
+                <a:r>
+                  <a:rPr lang="en-US" altLang="ko-KR" dirty="0"/>
+                  <a:t>position2</a:t>
+                </a:r>
+                <a:endParaRPr lang="ko-KR" altLang="en-US" dirty="0"/>
+              </a:p>
+            </p:txBody>
+          </p:sp>
+        </p:grpSp>
+        <p:grpSp>
+          <p:nvGrpSpPr>
+            <p:cNvPr id="9" name="그룹 8">
+              <a:extLst>
+                <a:ext uri="{FF2B5EF4-FFF2-40B4-BE49-F238E27FC236}">
+                  <a16:creationId xmlns:a16="http://schemas.microsoft.com/office/drawing/2014/main" id="{80781456-C3C7-20C4-6799-B9B09157D878}"/>
+                </a:ext>
+              </a:extLst>
+            </p:cNvPr>
+            <p:cNvGrpSpPr/>
+            <p:nvPr/>
+          </p:nvGrpSpPr>
+          <p:grpSpPr>
+            <a:xfrm>
+              <a:off x="5506673" y="446186"/>
+              <a:ext cx="1565756" cy="1753867"/>
+              <a:chOff x="6440993" y="3587636"/>
+              <a:chExt cx="1565756" cy="1753867"/>
+            </a:xfrm>
+          </p:grpSpPr>
+          <p:pic>
+            <p:nvPicPr>
+              <p:cNvPr id="7" name="그림 6">
+                <a:extLst>
+                  <a:ext uri="{FF2B5EF4-FFF2-40B4-BE49-F238E27FC236}">
+                    <a16:creationId xmlns:a16="http://schemas.microsoft.com/office/drawing/2014/main" id="{9A9B8F1F-2D60-851A-D30E-D09327E98ABA}"/>
+                  </a:ext>
+                </a:extLst>
+              </p:cNvPr>
+              <p:cNvPicPr>
+                <a:picLocks noChangeAspect="1"/>
+              </p:cNvPicPr>
+              <p:nvPr/>
+            </p:nvPicPr>
+            <p:blipFill>
+              <a:blip r:embed="rId4">
+                <a:extLst>
+                  <a:ext uri="{28A0092B-C50C-407E-A947-70E740481C1C}">
+                    <a14:useLocalDpi xmlns:a14="http://schemas.microsoft.com/office/drawing/2010/main" val="0"/>
+                  </a:ext>
+                </a:extLst>
+              </a:blip>
+              <a:stretch>
+                <a:fillRect/>
+              </a:stretch>
+            </p:blipFill>
+            <p:spPr>
+              <a:xfrm>
+                <a:off x="6440993" y="3587636"/>
+                <a:ext cx="1384535" cy="1384535"/>
+              </a:xfrm>
+              <a:prstGeom prst="rect">
+                <a:avLst/>
+              </a:prstGeom>
+            </p:spPr>
+          </p:pic>
+          <p:sp>
+            <p:nvSpPr>
+              <p:cNvPr id="8" name="TextBox 7">
+                <a:extLst>
+                  <a:ext uri="{FF2B5EF4-FFF2-40B4-BE49-F238E27FC236}">
+                    <a16:creationId xmlns:a16="http://schemas.microsoft.com/office/drawing/2014/main" id="{3BC52353-AFA9-51BA-7873-8D07273B2FAB}"/>
+                  </a:ext>
+                </a:extLst>
+              </p:cNvPr>
+              <p:cNvSpPr txBox="1"/>
+              <p:nvPr/>
+            </p:nvSpPr>
+            <p:spPr>
+              <a:xfrm>
+                <a:off x="6547434" y="4972171"/>
+                <a:ext cx="1459315" cy="369332"/>
+              </a:xfrm>
+              <a:prstGeom prst="rect">
+                <a:avLst/>
+              </a:prstGeom>
+              <a:noFill/>
+            </p:spPr>
+            <p:txBody>
+              <a:bodyPr wrap="square" rtlCol="0">
+                <a:spAutoFit/>
+              </a:bodyPr>
+              <a:lstStyle/>
+              <a:p>
+                <a:r>
+                  <a:rPr lang="en-US" altLang="ko-KR" dirty="0"/>
+                  <a:t>position3</a:t>
+                </a:r>
+                <a:endParaRPr lang="ko-KR" altLang="en-US" dirty="0"/>
+              </a:p>
+            </p:txBody>
+          </p:sp>
         </p:grpSp>
         <p:pic>
           <p:nvPicPr>
-            <p:cNvPr id="23" name="그림 22" descr="패턴, 사각형, 예술, 직사각형이(가) 표시된 사진&#10;&#10;AI 생성 콘텐츠는 정확하지 않을 수 있습니다.">
+            <p:cNvPr id="12" name="그림 11" descr="패턴, 사각형, 예술, 직사각형이(가) 표시된 사진&#10;&#10;AI 생성 콘텐츠는 정확하지 않을 수 있습니다.">
               <a:extLst>
                 <a:ext uri="{FF2B5EF4-FFF2-40B4-BE49-F238E27FC236}">
-                  <a16:creationId xmlns:a16="http://schemas.microsoft.com/office/drawing/2014/main" id="{BF4FB645-AFDC-16E6-D5AF-D74A724072E7}"/>
+                  <a16:creationId xmlns:a16="http://schemas.microsoft.com/office/drawing/2014/main" id="{C64B03C4-7D50-F643-3F97-D14991ED74A1}"/>
+                </a:ext>
+              </a:extLst>
+            </p:cNvPr>
+            <p:cNvPicPr>
+              <a:picLocks noChangeAspect="1"/>
+            </p:cNvPicPr>
+            <p:nvPr/>
+          </p:nvPicPr>
+          <p:blipFill>
+            <a:blip r:embed="rId2">
+              <a:extLst>
+                <a:ext uri="{28A0092B-C50C-407E-A947-70E740481C1C}">
+                  <a14:useLocalDpi xmlns:a14="http://schemas.microsoft.com/office/drawing/2010/main" val="0"/>
+                </a:ext>
+              </a:extLst>
+            </a:blip>
+            <a:stretch>
+              <a:fillRect/>
+            </a:stretch>
+          </p:blipFill>
+          <p:spPr>
+            <a:xfrm>
+              <a:off x="891999" y="3090578"/>
+              <a:ext cx="2550146" cy="2550146"/>
+            </a:xfrm>
+            <a:prstGeom prst="rect">
+              <a:avLst/>
+            </a:prstGeom>
+          </p:spPr>
+        </p:pic>
+        <p:sp>
+          <p:nvSpPr>
+            <p:cNvPr id="13" name="TextBox 12">
+              <a:extLst>
+                <a:ext uri="{FF2B5EF4-FFF2-40B4-BE49-F238E27FC236}">
+                  <a16:creationId xmlns:a16="http://schemas.microsoft.com/office/drawing/2014/main" id="{689366F5-C892-56C2-5439-A8C6B1F79C62}"/>
+                </a:ext>
+              </a:extLst>
+            </p:cNvPr>
+            <p:cNvSpPr txBox="1"/>
+            <p:nvPr/>
+          </p:nvSpPr>
+          <p:spPr>
+            <a:xfrm>
+              <a:off x="1546877" y="5640723"/>
+              <a:ext cx="1459315" cy="369332"/>
+            </a:xfrm>
+            <a:prstGeom prst="rect">
+              <a:avLst/>
+            </a:prstGeom>
+            <a:noFill/>
+          </p:spPr>
+          <p:txBody>
+            <a:bodyPr wrap="square" rtlCol="0">
+              <a:spAutoFit/>
+            </a:bodyPr>
+            <a:lstStyle/>
+            <a:p>
+              <a:r>
+                <a:rPr lang="en-US" altLang="ko-KR" dirty="0"/>
+                <a:t>position1</a:t>
+              </a:r>
+              <a:endParaRPr lang="ko-KR" altLang="en-US" dirty="0"/>
+            </a:p>
+          </p:txBody>
+        </p:sp>
+        <p:pic>
+          <p:nvPicPr>
+            <p:cNvPr id="15" name="그림 14" descr="패턴, 사각형, 예술, 직사각형이(가) 표시된 사진&#10;&#10;AI 생성 콘텐츠는 정확하지 않을 수 있습니다.">
+              <a:extLst>
+                <a:ext uri="{FF2B5EF4-FFF2-40B4-BE49-F238E27FC236}">
+                  <a16:creationId xmlns:a16="http://schemas.microsoft.com/office/drawing/2014/main" id="{A41BFD7A-4A15-A208-1DEA-BE923E32CCF2}"/>
+                </a:ext>
+              </a:extLst>
+            </p:cNvPr>
+            <p:cNvPicPr>
+              <a:picLocks noChangeAspect="1"/>
+            </p:cNvPicPr>
+            <p:nvPr/>
+          </p:nvPicPr>
+          <p:blipFill>
+            <a:blip r:embed="rId3">
+              <a:extLst>
+                <a:ext uri="{28A0092B-C50C-407E-A947-70E740481C1C}">
+                  <a14:useLocalDpi xmlns:a14="http://schemas.microsoft.com/office/drawing/2010/main" val="0"/>
+                </a:ext>
+              </a:extLst>
+            </a:blip>
+            <a:stretch>
+              <a:fillRect/>
+            </a:stretch>
+          </p:blipFill>
+          <p:spPr>
+            <a:xfrm>
+              <a:off x="4556035" y="3090578"/>
+              <a:ext cx="2550144" cy="2550144"/>
+            </a:xfrm>
+            <a:prstGeom prst="rect">
+              <a:avLst/>
+            </a:prstGeom>
+          </p:spPr>
+        </p:pic>
+        <p:sp>
+          <p:nvSpPr>
+            <p:cNvPr id="17" name="TextBox 16">
+              <a:extLst>
+                <a:ext uri="{FF2B5EF4-FFF2-40B4-BE49-F238E27FC236}">
+                  <a16:creationId xmlns:a16="http://schemas.microsoft.com/office/drawing/2014/main" id="{6FBDFC1D-5ABB-ABA1-F58E-F9C2096D517D}"/>
+                </a:ext>
+              </a:extLst>
+            </p:cNvPr>
+            <p:cNvSpPr txBox="1"/>
+            <p:nvPr/>
+          </p:nvSpPr>
+          <p:spPr>
+            <a:xfrm>
+              <a:off x="5255606" y="5640722"/>
+              <a:ext cx="1459315" cy="369332"/>
+            </a:xfrm>
+            <a:prstGeom prst="rect">
+              <a:avLst/>
+            </a:prstGeom>
+            <a:noFill/>
+          </p:spPr>
+          <p:txBody>
+            <a:bodyPr wrap="square" rtlCol="0">
+              <a:spAutoFit/>
+            </a:bodyPr>
+            <a:lstStyle/>
+            <a:p>
+              <a:r>
+                <a:rPr lang="en-US" altLang="ko-KR" dirty="0"/>
+                <a:t>position2</a:t>
+              </a:r>
+              <a:endParaRPr lang="ko-KR" altLang="en-US" dirty="0"/>
+            </a:p>
+          </p:txBody>
+        </p:sp>
+        <p:pic>
+          <p:nvPicPr>
+            <p:cNvPr id="19" name="그림 18">
+              <a:extLst>
+                <a:ext uri="{FF2B5EF4-FFF2-40B4-BE49-F238E27FC236}">
+                  <a16:creationId xmlns:a16="http://schemas.microsoft.com/office/drawing/2014/main" id="{9A7126A4-39E2-A25B-F03A-BBEDBF1AF10B}"/>
                 </a:ext>
               </a:extLst>
             </p:cNvPr>
@@ -3685,217 +3802,56 @@
             </a:stretch>
           </p:blipFill>
           <p:spPr>
-            <a:xfrm rot="5400000">
-              <a:off x="5016962" y="3221917"/>
-              <a:ext cx="685799" cy="685799"/>
+            <a:xfrm>
+              <a:off x="8220069" y="3090578"/>
+              <a:ext cx="2550144" cy="2550144"/>
             </a:xfrm>
             <a:prstGeom prst="rect">
               <a:avLst/>
             </a:prstGeom>
           </p:spPr>
         </p:pic>
+        <p:sp>
+          <p:nvSpPr>
+            <p:cNvPr id="20" name="TextBox 19">
+              <a:extLst>
+                <a:ext uri="{FF2B5EF4-FFF2-40B4-BE49-F238E27FC236}">
+                  <a16:creationId xmlns:a16="http://schemas.microsoft.com/office/drawing/2014/main" id="{F60EDA60-ADC2-F933-13A7-7557851DF574}"/>
+                </a:ext>
+              </a:extLst>
+            </p:cNvPr>
+            <p:cNvSpPr txBox="1"/>
+            <p:nvPr/>
+          </p:nvSpPr>
+          <p:spPr>
+            <a:xfrm>
+              <a:off x="9021240" y="5672007"/>
+              <a:ext cx="1459315" cy="369332"/>
+            </a:xfrm>
+            <a:prstGeom prst="rect">
+              <a:avLst/>
+            </a:prstGeom>
+            <a:noFill/>
+          </p:spPr>
+          <p:txBody>
+            <a:bodyPr wrap="square" rtlCol="0">
+              <a:spAutoFit/>
+            </a:bodyPr>
+            <a:lstStyle/>
+            <a:p>
+              <a:r>
+                <a:rPr lang="en-US" altLang="ko-KR" dirty="0"/>
+                <a:t>position3</a:t>
+              </a:r>
+              <a:endParaRPr lang="ko-KR" altLang="en-US" dirty="0"/>
+            </a:p>
+          </p:txBody>
+        </p:sp>
       </p:grpSp>
     </p:spTree>
     <p:extLst>
       <p:ext uri="{BB962C8B-B14F-4D97-AF65-F5344CB8AC3E}">
-        <p14:creationId xmlns:p14="http://schemas.microsoft.com/office/powerpoint/2010/main" val="1509300736"/>
-      </p:ext>
-    </p:extLst>
-  </p:cSld>
-  <p:clrMapOvr>
-    <a:masterClrMapping/>
-  </p:clrMapOvr>
-</p:sld>
-</file>
-
-<file path=ppt/slides/slide3.xml><?xml version="1.0" encoding="utf-8"?>
-<p:sld xmlns:a="http://schemas.openxmlformats.org/drawingml/2006/main" xmlns:r="http://schemas.openxmlformats.org/officeDocument/2006/relationships" xmlns:p="http://schemas.openxmlformats.org/presentationml/2006/main">
-  <p:cSld>
-    <p:spTree>
-      <p:nvGrpSpPr>
-        <p:cNvPr id="1" name="">
-          <a:extLst>
-            <a:ext uri="{FF2B5EF4-FFF2-40B4-BE49-F238E27FC236}">
-              <a16:creationId xmlns:a16="http://schemas.microsoft.com/office/drawing/2014/main" id="{015B1FB1-BCE7-68E4-5863-F96D167018C0}"/>
-            </a:ext>
-          </a:extLst>
-        </p:cNvPr>
-        <p:cNvGrpSpPr/>
-        <p:nvPr/>
-      </p:nvGrpSpPr>
-      <p:grpSpPr>
-        <a:xfrm>
-          <a:off x="0" y="0"/>
-          <a:ext cx="0" cy="0"/>
-          <a:chOff x="0" y="0"/>
-          <a:chExt cx="0" cy="0"/>
-        </a:xfrm>
-      </p:grpSpPr>
-      <p:grpSp>
-        <p:nvGrpSpPr>
-          <p:cNvPr id="10" name="그룹 9">
-            <a:extLst>
-              <a:ext uri="{FF2B5EF4-FFF2-40B4-BE49-F238E27FC236}">
-                <a16:creationId xmlns:a16="http://schemas.microsoft.com/office/drawing/2014/main" id="{9A1E47D0-7232-016F-B1DA-1D38A04F477B}"/>
-              </a:ext>
-            </a:extLst>
-          </p:cNvPr>
-          <p:cNvGrpSpPr/>
-          <p:nvPr/>
-        </p:nvGrpSpPr>
-        <p:grpSpPr>
-          <a:xfrm>
-            <a:off x="1926417" y="817171"/>
-            <a:ext cx="6181090" cy="6181090"/>
-            <a:chOff x="1926417" y="817171"/>
-            <a:chExt cx="6181090" cy="6181090"/>
-          </a:xfrm>
-        </p:grpSpPr>
-        <p:grpSp>
-          <p:nvGrpSpPr>
-            <p:cNvPr id="2" name="그룹 1">
-              <a:extLst>
-                <a:ext uri="{FF2B5EF4-FFF2-40B4-BE49-F238E27FC236}">
-                  <a16:creationId xmlns:a16="http://schemas.microsoft.com/office/drawing/2014/main" id="{AF634448-EC5B-3BD0-E221-3746102358AE}"/>
-                </a:ext>
-              </a:extLst>
-            </p:cNvPr>
-            <p:cNvGrpSpPr/>
-            <p:nvPr/>
-          </p:nvGrpSpPr>
-          <p:grpSpPr>
-            <a:xfrm>
-              <a:off x="1926417" y="817171"/>
-              <a:ext cx="6181090" cy="6181090"/>
-              <a:chOff x="2016587" y="386641"/>
-              <a:chExt cx="6181090" cy="6181090"/>
-            </a:xfrm>
-          </p:grpSpPr>
-          <p:pic>
-            <p:nvPicPr>
-              <p:cNvPr id="4" name="Picture 2" descr="Stainless Steel Circular Plate, Thickness : &gt;5 mm at ₹ 230/kg in Bhopal">
-                <a:extLst>
-                  <a:ext uri="{FF2B5EF4-FFF2-40B4-BE49-F238E27FC236}">
-                    <a16:creationId xmlns:a16="http://schemas.microsoft.com/office/drawing/2014/main" id="{10228DF3-B604-F6A1-AE7E-C407253CD2E4}"/>
-                  </a:ext>
-                </a:extLst>
-              </p:cNvPr>
-              <p:cNvPicPr>
-                <a:picLocks noChangeAspect="1" noChangeArrowheads="1"/>
-              </p:cNvPicPr>
-              <p:nvPr/>
-            </p:nvPicPr>
-            <p:blipFill>
-              <a:blip r:embed="rId2">
-                <a:extLst>
-                  <a:ext uri="{28A0092B-C50C-407E-A947-70E740481C1C}">
-                    <a14:useLocalDpi xmlns:a14="http://schemas.microsoft.com/office/drawing/2010/main" val="0"/>
-                  </a:ext>
-                </a:extLst>
-              </a:blip>
-              <a:srcRect/>
-              <a:stretch>
-                <a:fillRect/>
-              </a:stretch>
-            </p:blipFill>
-            <p:spPr bwMode="auto">
-              <a:xfrm>
-                <a:off x="2016587" y="386641"/>
-                <a:ext cx="6181090" cy="6181090"/>
-              </a:xfrm>
-              <a:prstGeom prst="rect">
-                <a:avLst/>
-              </a:prstGeom>
-              <a:noFill/>
-              <a:extLst>
-                <a:ext uri="{909E8E84-426E-40DD-AFC4-6F175D3DCCD1}">
-                  <a14:hiddenFill xmlns:a14="http://schemas.microsoft.com/office/drawing/2010/main">
-                    <a:solidFill>
-                      <a:srgbClr val="FFFFFF"/>
-                    </a:solidFill>
-                  </a14:hiddenFill>
-                </a:ext>
-              </a:extLst>
-            </p:spPr>
-          </p:pic>
-          <p:pic>
-            <p:nvPicPr>
-              <p:cNvPr id="5" name="그림 4" descr="패턴, 사각형, 예술, 직사각형이(가) 표시된 사진&#10;&#10;AI 생성 콘텐츠는 정확하지 않을 수 있습니다.">
-                <a:extLst>
-                  <a:ext uri="{FF2B5EF4-FFF2-40B4-BE49-F238E27FC236}">
-                    <a16:creationId xmlns:a16="http://schemas.microsoft.com/office/drawing/2014/main" id="{5613B4D5-84C3-CAD8-F5AC-DB95F3E44C6E}"/>
-                  </a:ext>
-                </a:extLst>
-              </p:cNvPr>
-              <p:cNvPicPr>
-                <a:picLocks noChangeAspect="1"/>
-              </p:cNvPicPr>
-              <p:nvPr/>
-            </p:nvPicPr>
-            <p:blipFill>
-              <a:blip r:embed="rId3">
-                <a:extLst>
-                  <a:ext uri="{28A0092B-C50C-407E-A947-70E740481C1C}">
-                    <a14:useLocalDpi xmlns:a14="http://schemas.microsoft.com/office/drawing/2010/main" val="0"/>
-                  </a:ext>
-                </a:extLst>
-              </a:blip>
-              <a:stretch>
-                <a:fillRect/>
-              </a:stretch>
-            </p:blipFill>
-            <p:spPr>
-              <a:xfrm>
-                <a:off x="4117254" y="1453160"/>
-                <a:ext cx="685799" cy="685799"/>
-              </a:xfrm>
-              <a:prstGeom prst="rect">
-                <a:avLst/>
-              </a:prstGeom>
-            </p:spPr>
-          </p:pic>
-        </p:grpSp>
-        <p:pic>
-          <p:nvPicPr>
-            <p:cNvPr id="8" name="그림 7" descr="패턴, 사각형, 예술, 직사각형이(가) 표시된 사진&#10;&#10;AI 생성 콘텐츠는 정확하지 않을 수 있습니다.">
-              <a:extLst>
-                <a:ext uri="{FF2B5EF4-FFF2-40B4-BE49-F238E27FC236}">
-                  <a16:creationId xmlns:a16="http://schemas.microsoft.com/office/drawing/2014/main" id="{3D3F4E8C-A531-292A-C12F-B3FD10762173}"/>
-                </a:ext>
-              </a:extLst>
-            </p:cNvPr>
-            <p:cNvPicPr>
-              <a:picLocks noChangeAspect="1"/>
-            </p:cNvPicPr>
-            <p:nvPr/>
-          </p:nvPicPr>
-          <p:blipFill>
-            <a:blip r:embed="rId4">
-              <a:extLst>
-                <a:ext uri="{28A0092B-C50C-407E-A947-70E740481C1C}">
-                  <a14:useLocalDpi xmlns:a14="http://schemas.microsoft.com/office/drawing/2010/main" val="0"/>
-                </a:ext>
-              </a:extLst>
-            </a:blip>
-            <a:stretch>
-              <a:fillRect/>
-            </a:stretch>
-          </p:blipFill>
-          <p:spPr>
-            <a:xfrm rot="3555484">
-              <a:off x="4769758" y="3094820"/>
-              <a:ext cx="685799" cy="685799"/>
-            </a:xfrm>
-            <a:prstGeom prst="rect">
-              <a:avLst/>
-            </a:prstGeom>
-          </p:spPr>
-        </p:pic>
-      </p:grpSp>
-    </p:spTree>
-    <p:extLst>
-      <p:ext uri="{BB962C8B-B14F-4D97-AF65-F5344CB8AC3E}">
-        <p14:creationId xmlns:p14="http://schemas.microsoft.com/office/powerpoint/2010/main" val="717017453"/>
+        <p14:creationId xmlns:p14="http://schemas.microsoft.com/office/powerpoint/2010/main" val="3721747028"/>
       </p:ext>
     </p:extLst>
   </p:cSld>

--- a/images/plateimg.pptx
+++ b/images/plateimg.pptx
@@ -6,6 +6,8 @@
   </p:sldMasterIdLst>
   <p:sldIdLst>
     <p:sldId id="259" r:id="rId2"/>
+    <p:sldId id="261" r:id="rId3"/>
+    <p:sldId id="260" r:id="rId4"/>
   </p:sldIdLst>
   <p:sldSz cx="12192000" cy="6858000"/>
   <p:notesSz cx="6858000" cy="9144000"/>
@@ -259,7 +261,7 @@
           <a:p>
             <a:fld id="{F1435FB5-0B67-45F6-8A0D-BF174DE11C7A}" type="datetimeFigureOut">
               <a:rPr lang="ko-KR" altLang="en-US" smtClean="0"/>
-              <a:t>2026-02-06</a:t>
+              <a:t>2026-02-10</a:t>
             </a:fld>
             <a:endParaRPr lang="ko-KR" altLang="en-US"/>
           </a:p>
@@ -457,7 +459,7 @@
           <a:p>
             <a:fld id="{F1435FB5-0B67-45F6-8A0D-BF174DE11C7A}" type="datetimeFigureOut">
               <a:rPr lang="ko-KR" altLang="en-US" smtClean="0"/>
-              <a:t>2026-02-06</a:t>
+              <a:t>2026-02-10</a:t>
             </a:fld>
             <a:endParaRPr lang="ko-KR" altLang="en-US"/>
           </a:p>
@@ -665,7 +667,7 @@
           <a:p>
             <a:fld id="{F1435FB5-0B67-45F6-8A0D-BF174DE11C7A}" type="datetimeFigureOut">
               <a:rPr lang="ko-KR" altLang="en-US" smtClean="0"/>
-              <a:t>2026-02-06</a:t>
+              <a:t>2026-02-10</a:t>
             </a:fld>
             <a:endParaRPr lang="ko-KR" altLang="en-US"/>
           </a:p>
@@ -863,7 +865,7 @@
           <a:p>
             <a:fld id="{F1435FB5-0B67-45F6-8A0D-BF174DE11C7A}" type="datetimeFigureOut">
               <a:rPr lang="ko-KR" altLang="en-US" smtClean="0"/>
-              <a:t>2026-02-06</a:t>
+              <a:t>2026-02-10</a:t>
             </a:fld>
             <a:endParaRPr lang="ko-KR" altLang="en-US"/>
           </a:p>
@@ -1138,7 +1140,7 @@
           <a:p>
             <a:fld id="{F1435FB5-0B67-45F6-8A0D-BF174DE11C7A}" type="datetimeFigureOut">
               <a:rPr lang="ko-KR" altLang="en-US" smtClean="0"/>
-              <a:t>2026-02-06</a:t>
+              <a:t>2026-02-10</a:t>
             </a:fld>
             <a:endParaRPr lang="ko-KR" altLang="en-US"/>
           </a:p>
@@ -1403,7 +1405,7 @@
           <a:p>
             <a:fld id="{F1435FB5-0B67-45F6-8A0D-BF174DE11C7A}" type="datetimeFigureOut">
               <a:rPr lang="ko-KR" altLang="en-US" smtClean="0"/>
-              <a:t>2026-02-06</a:t>
+              <a:t>2026-02-10</a:t>
             </a:fld>
             <a:endParaRPr lang="ko-KR" altLang="en-US"/>
           </a:p>
@@ -1815,7 +1817,7 @@
           <a:p>
             <a:fld id="{F1435FB5-0B67-45F6-8A0D-BF174DE11C7A}" type="datetimeFigureOut">
               <a:rPr lang="ko-KR" altLang="en-US" smtClean="0"/>
-              <a:t>2026-02-06</a:t>
+              <a:t>2026-02-10</a:t>
             </a:fld>
             <a:endParaRPr lang="ko-KR" altLang="en-US"/>
           </a:p>
@@ -1956,7 +1958,7 @@
           <a:p>
             <a:fld id="{F1435FB5-0B67-45F6-8A0D-BF174DE11C7A}" type="datetimeFigureOut">
               <a:rPr lang="ko-KR" altLang="en-US" smtClean="0"/>
-              <a:t>2026-02-06</a:t>
+              <a:t>2026-02-10</a:t>
             </a:fld>
             <a:endParaRPr lang="ko-KR" altLang="en-US"/>
           </a:p>
@@ -2069,7 +2071,7 @@
           <a:p>
             <a:fld id="{F1435FB5-0B67-45F6-8A0D-BF174DE11C7A}" type="datetimeFigureOut">
               <a:rPr lang="ko-KR" altLang="en-US" smtClean="0"/>
-              <a:t>2026-02-06</a:t>
+              <a:t>2026-02-10</a:t>
             </a:fld>
             <a:endParaRPr lang="ko-KR" altLang="en-US"/>
           </a:p>
@@ -2380,7 +2382,7 @@
           <a:p>
             <a:fld id="{F1435FB5-0B67-45F6-8A0D-BF174DE11C7A}" type="datetimeFigureOut">
               <a:rPr lang="ko-KR" altLang="en-US" smtClean="0"/>
-              <a:t>2026-02-06</a:t>
+              <a:t>2026-02-10</a:t>
             </a:fld>
             <a:endParaRPr lang="ko-KR" altLang="en-US"/>
           </a:p>
@@ -2668,7 +2670,7 @@
           <a:p>
             <a:fld id="{F1435FB5-0B67-45F6-8A0D-BF174DE11C7A}" type="datetimeFigureOut">
               <a:rPr lang="ko-KR" altLang="en-US" smtClean="0"/>
-              <a:t>2026-02-06</a:t>
+              <a:t>2026-02-10</a:t>
             </a:fld>
             <a:endParaRPr lang="ko-KR" altLang="en-US"/>
           </a:p>
@@ -2909,7 +2911,7 @@
           <a:p>
             <a:fld id="{F1435FB5-0B67-45F6-8A0D-BF174DE11C7A}" type="datetimeFigureOut">
               <a:rPr lang="ko-KR" altLang="en-US" smtClean="0"/>
-              <a:t>2026-02-06</a:t>
+              <a:t>2026-02-10</a:t>
             </a:fld>
             <a:endParaRPr lang="ko-KR" altLang="en-US"/>
           </a:p>
@@ -3346,10 +3348,10 @@
         </p:nvGrpSpPr>
         <p:grpSpPr>
           <a:xfrm>
-            <a:off x="891999" y="446186"/>
-            <a:ext cx="9878214" cy="5595153"/>
-            <a:chOff x="891999" y="446186"/>
-            <a:chExt cx="9878214" cy="5595153"/>
+            <a:off x="1821197" y="547563"/>
+            <a:ext cx="6153563" cy="3454619"/>
+            <a:chOff x="561357" y="446186"/>
+            <a:chExt cx="6153563" cy="3454619"/>
           </a:xfrm>
         </p:grpSpPr>
         <p:grpSp>
@@ -3366,10 +3368,10 @@
           </p:nvGrpSpPr>
           <p:grpSpPr>
             <a:xfrm>
-              <a:off x="891999" y="446186"/>
-              <a:ext cx="1559799" cy="1753868"/>
-              <a:chOff x="761371" y="919049"/>
-              <a:chExt cx="1559799" cy="1753868"/>
+              <a:off x="687683" y="446186"/>
+              <a:ext cx="1459315" cy="1473452"/>
+              <a:chOff x="557055" y="919049"/>
+              <a:chExt cx="1459315" cy="1473452"/>
             </a:xfrm>
           </p:grpSpPr>
           <p:pic>
@@ -3401,7 +3403,7 @@
             <p:spPr>
               <a:xfrm>
                 <a:off x="761371" y="919049"/>
-                <a:ext cx="1384536" cy="1384536"/>
+                <a:ext cx="730899" cy="730899"/>
               </a:xfrm>
               <a:prstGeom prst="rect">
                 <a:avLst/>
@@ -3422,7 +3424,7 @@
             </p:nvSpPr>
             <p:spPr>
               <a:xfrm>
-                <a:off x="861855" y="2303585"/>
+                <a:off x="557055" y="2023169"/>
                 <a:ext cx="1459315" cy="369332"/>
               </a:xfrm>
               <a:prstGeom prst="rect">
@@ -3459,10 +3461,10 @@
           </p:nvGrpSpPr>
           <p:grpSpPr>
             <a:xfrm>
-              <a:off x="3286968" y="446186"/>
-              <a:ext cx="1596530" cy="1753867"/>
-              <a:chOff x="1193450" y="3698169"/>
-              <a:chExt cx="1596530" cy="1753867"/>
+              <a:off x="2886447" y="460745"/>
+              <a:ext cx="1459315" cy="1458893"/>
+              <a:chOff x="792929" y="3712728"/>
+              <a:chExt cx="1459315" cy="1458893"/>
             </a:xfrm>
           </p:grpSpPr>
           <p:pic>
@@ -3493,8 +3495,8 @@
             </p:blipFill>
             <p:spPr>
               <a:xfrm>
-                <a:off x="1193450" y="3698169"/>
-                <a:ext cx="1384535" cy="1384535"/>
+                <a:off x="983178" y="3712728"/>
+                <a:ext cx="730898" cy="730898"/>
               </a:xfrm>
               <a:prstGeom prst="rect">
                 <a:avLst/>
@@ -3515,7 +3517,7 @@
             </p:nvSpPr>
             <p:spPr>
               <a:xfrm>
-                <a:off x="1330665" y="5082704"/>
+                <a:off x="792929" y="4802289"/>
                 <a:ext cx="1459315" cy="369332"/>
               </a:xfrm>
               <a:prstGeom prst="rect">
@@ -3552,10 +3554,10 @@
           </p:nvGrpSpPr>
           <p:grpSpPr>
             <a:xfrm>
-              <a:off x="5506673" y="446186"/>
-              <a:ext cx="1565756" cy="1753867"/>
-              <a:chOff x="6440993" y="3587636"/>
-              <a:chExt cx="1565756" cy="1753867"/>
+              <a:off x="5255605" y="446187"/>
+              <a:ext cx="1459315" cy="1458893"/>
+              <a:chOff x="6189925" y="3587637"/>
+              <a:chExt cx="1459315" cy="1458893"/>
             </a:xfrm>
           </p:grpSpPr>
           <p:pic>
@@ -3586,8 +3588,8 @@
             </p:blipFill>
             <p:spPr>
               <a:xfrm>
-                <a:off x="6440993" y="3587636"/>
-                <a:ext cx="1384535" cy="1384535"/>
+                <a:off x="6440994" y="3587637"/>
+                <a:ext cx="730898" cy="730898"/>
               </a:xfrm>
               <a:prstGeom prst="rect">
                 <a:avLst/>
@@ -3608,7 +3610,7 @@
             </p:nvSpPr>
             <p:spPr>
               <a:xfrm>
-                <a:off x="6547434" y="4972171"/>
+                <a:off x="6189925" y="4677198"/>
                 <a:ext cx="1459315" cy="369332"/>
               </a:xfrm>
               <a:prstGeom prst="rect">
@@ -3659,8 +3661,8 @@
           </p:blipFill>
           <p:spPr>
             <a:xfrm>
-              <a:off x="891999" y="3090578"/>
-              <a:ext cx="2550146" cy="2550146"/>
+              <a:off x="792480" y="2589496"/>
+              <a:ext cx="879198" cy="879198"/>
             </a:xfrm>
             <a:prstGeom prst="rect">
               <a:avLst/>
@@ -3681,7 +3683,7 @@
           </p:nvSpPr>
           <p:spPr>
             <a:xfrm>
-              <a:off x="1546877" y="5640723"/>
+              <a:off x="561357" y="3483253"/>
               <a:ext cx="1459315" cy="369332"/>
             </a:xfrm>
             <a:prstGeom prst="rect">
@@ -3731,8 +3733,8 @@
           </p:blipFill>
           <p:spPr>
             <a:xfrm>
-              <a:off x="4556035" y="3090578"/>
-              <a:ext cx="2550144" cy="2550144"/>
+              <a:off x="2987953" y="2604054"/>
+              <a:ext cx="879197" cy="879197"/>
             </a:xfrm>
             <a:prstGeom prst="rect">
               <a:avLst/>
@@ -3753,7 +3755,7 @@
           </p:nvSpPr>
           <p:spPr>
             <a:xfrm>
-              <a:off x="5255606" y="5640722"/>
+              <a:off x="2712487" y="3518448"/>
               <a:ext cx="1459315" cy="369332"/>
             </a:xfrm>
             <a:prstGeom prst="rect">
@@ -3803,8 +3805,8 @@
           </p:blipFill>
           <p:spPr>
             <a:xfrm>
-              <a:off x="8220069" y="3090578"/>
-              <a:ext cx="2550144" cy="2550144"/>
+              <a:off x="5488435" y="2604054"/>
+              <a:ext cx="879197" cy="879197"/>
             </a:xfrm>
             <a:prstGeom prst="rect">
               <a:avLst/>
@@ -3825,7 +3827,7 @@
           </p:nvSpPr>
           <p:spPr>
             <a:xfrm>
-              <a:off x="9021240" y="5672007"/>
+              <a:off x="5255604" y="3531473"/>
               <a:ext cx="1459315" cy="369332"/>
             </a:xfrm>
             <a:prstGeom prst="rect">
@@ -3848,10 +3850,1067 @@
           </p:txBody>
         </p:sp>
       </p:grpSp>
+      <p:pic>
+        <p:nvPicPr>
+          <p:cNvPr id="24" name="그림 23" descr="패턴, 사각형, 예술, 직사각형이(가) 표시된 사진&#10;&#10;AI 생성 콘텐츠는 정확하지 않을 수 있습니다.">
+            <a:extLst>
+              <a:ext uri="{FF2B5EF4-FFF2-40B4-BE49-F238E27FC236}">
+                <a16:creationId xmlns:a16="http://schemas.microsoft.com/office/drawing/2014/main" id="{D89058A6-C503-AA6E-31C9-337B915A9DDE}"/>
+              </a:ext>
+            </a:extLst>
+          </p:cNvPr>
+          <p:cNvPicPr>
+            <a:picLocks noChangeAspect="1"/>
+          </p:cNvPicPr>
+          <p:nvPr/>
+        </p:nvPicPr>
+        <p:blipFill>
+          <a:blip r:embed="rId2">
+            <a:extLst>
+              <a:ext uri="{28A0092B-C50C-407E-A947-70E740481C1C}">
+                <a14:useLocalDpi xmlns:a14="http://schemas.microsoft.com/office/drawing/2010/main" val="0"/>
+              </a:ext>
+            </a:extLst>
+          </a:blip>
+          <a:stretch>
+            <a:fillRect/>
+          </a:stretch>
+        </p:blipFill>
+        <p:spPr>
+          <a:xfrm>
+            <a:off x="2052321" y="4765709"/>
+            <a:ext cx="597406" cy="597406"/>
+          </a:xfrm>
+          <a:prstGeom prst="rect">
+            <a:avLst/>
+          </a:prstGeom>
+        </p:spPr>
+      </p:pic>
+      <p:sp>
+        <p:nvSpPr>
+          <p:cNvPr id="25" name="TextBox 24">
+            <a:extLst>
+              <a:ext uri="{FF2B5EF4-FFF2-40B4-BE49-F238E27FC236}">
+                <a16:creationId xmlns:a16="http://schemas.microsoft.com/office/drawing/2014/main" id="{C9E63878-4D45-77A7-995A-33F1C006B2FA}"/>
+              </a:ext>
+            </a:extLst>
+          </p:cNvPr>
+          <p:cNvSpPr txBox="1"/>
+          <p:nvPr/>
+        </p:nvSpPr>
+        <p:spPr>
+          <a:xfrm>
+            <a:off x="1848004" y="5736336"/>
+            <a:ext cx="1459315" cy="369332"/>
+          </a:xfrm>
+          <a:prstGeom prst="rect">
+            <a:avLst/>
+          </a:prstGeom>
+          <a:noFill/>
+        </p:spPr>
+        <p:txBody>
+          <a:bodyPr wrap="square" rtlCol="0">
+            <a:spAutoFit/>
+          </a:bodyPr>
+          <a:lstStyle/>
+          <a:p>
+            <a:r>
+              <a:rPr lang="en-US" altLang="ko-KR" dirty="0"/>
+              <a:t>position1</a:t>
+            </a:r>
+            <a:endParaRPr lang="ko-KR" altLang="en-US" dirty="0"/>
+          </a:p>
+        </p:txBody>
+      </p:sp>
+      <p:pic>
+        <p:nvPicPr>
+          <p:cNvPr id="26" name="그림 25" descr="패턴, 사각형, 예술, 직사각형이(가) 표시된 사진&#10;&#10;AI 생성 콘텐츠는 정확하지 않을 수 있습니다.">
+            <a:extLst>
+              <a:ext uri="{FF2B5EF4-FFF2-40B4-BE49-F238E27FC236}">
+                <a16:creationId xmlns:a16="http://schemas.microsoft.com/office/drawing/2014/main" id="{E6B2B28D-748F-35E6-567D-565B4A458763}"/>
+              </a:ext>
+            </a:extLst>
+          </p:cNvPr>
+          <p:cNvPicPr>
+            <a:picLocks noChangeAspect="1"/>
+          </p:cNvPicPr>
+          <p:nvPr/>
+        </p:nvPicPr>
+        <p:blipFill>
+          <a:blip r:embed="rId3">
+            <a:extLst>
+              <a:ext uri="{28A0092B-C50C-407E-A947-70E740481C1C}">
+                <a14:useLocalDpi xmlns:a14="http://schemas.microsoft.com/office/drawing/2010/main" val="0"/>
+              </a:ext>
+            </a:extLst>
+          </a:blip>
+          <a:stretch>
+            <a:fillRect/>
+          </a:stretch>
+        </p:blipFill>
+        <p:spPr>
+          <a:xfrm>
+            <a:off x="4237017" y="4780267"/>
+            <a:ext cx="597405" cy="597405"/>
+          </a:xfrm>
+          <a:prstGeom prst="rect">
+            <a:avLst/>
+          </a:prstGeom>
+        </p:spPr>
+      </p:pic>
+      <p:sp>
+        <p:nvSpPr>
+          <p:cNvPr id="27" name="TextBox 26">
+            <a:extLst>
+              <a:ext uri="{FF2B5EF4-FFF2-40B4-BE49-F238E27FC236}">
+                <a16:creationId xmlns:a16="http://schemas.microsoft.com/office/drawing/2014/main" id="{E0F4E567-31BC-26E9-D45C-78B3BE3CE011}"/>
+              </a:ext>
+            </a:extLst>
+          </p:cNvPr>
+          <p:cNvSpPr txBox="1"/>
+          <p:nvPr/>
+        </p:nvSpPr>
+        <p:spPr>
+          <a:xfrm>
+            <a:off x="4046768" y="5736336"/>
+            <a:ext cx="1459315" cy="369332"/>
+          </a:xfrm>
+          <a:prstGeom prst="rect">
+            <a:avLst/>
+          </a:prstGeom>
+          <a:noFill/>
+        </p:spPr>
+        <p:txBody>
+          <a:bodyPr wrap="square" rtlCol="0">
+            <a:spAutoFit/>
+          </a:bodyPr>
+          <a:lstStyle/>
+          <a:p>
+            <a:r>
+              <a:rPr lang="en-US" altLang="ko-KR" dirty="0"/>
+              <a:t>position2</a:t>
+            </a:r>
+            <a:endParaRPr lang="ko-KR" altLang="en-US" dirty="0"/>
+          </a:p>
+        </p:txBody>
+      </p:sp>
+      <p:pic>
+        <p:nvPicPr>
+          <p:cNvPr id="28" name="그림 27">
+            <a:extLst>
+              <a:ext uri="{FF2B5EF4-FFF2-40B4-BE49-F238E27FC236}">
+                <a16:creationId xmlns:a16="http://schemas.microsoft.com/office/drawing/2014/main" id="{54318CAD-D670-1C28-C8DB-F4B7D4707B21}"/>
+              </a:ext>
+            </a:extLst>
+          </p:cNvPr>
+          <p:cNvPicPr>
+            <a:picLocks noChangeAspect="1"/>
+          </p:cNvPicPr>
+          <p:nvPr/>
+        </p:nvPicPr>
+        <p:blipFill>
+          <a:blip r:embed="rId4">
+            <a:extLst>
+              <a:ext uri="{28A0092B-C50C-407E-A947-70E740481C1C}">
+                <a14:useLocalDpi xmlns:a14="http://schemas.microsoft.com/office/drawing/2010/main" val="0"/>
+              </a:ext>
+            </a:extLst>
+          </a:blip>
+          <a:stretch>
+            <a:fillRect/>
+          </a:stretch>
+        </p:blipFill>
+        <p:spPr>
+          <a:xfrm>
+            <a:off x="6666995" y="4765709"/>
+            <a:ext cx="597405" cy="597405"/>
+          </a:xfrm>
+          <a:prstGeom prst="rect">
+            <a:avLst/>
+          </a:prstGeom>
+        </p:spPr>
+      </p:pic>
+      <p:sp>
+        <p:nvSpPr>
+          <p:cNvPr id="29" name="TextBox 28">
+            <a:extLst>
+              <a:ext uri="{FF2B5EF4-FFF2-40B4-BE49-F238E27FC236}">
+                <a16:creationId xmlns:a16="http://schemas.microsoft.com/office/drawing/2014/main" id="{64D4CF7D-9DD1-3FE9-9F0D-A9F7343E3EF8}"/>
+              </a:ext>
+            </a:extLst>
+          </p:cNvPr>
+          <p:cNvSpPr txBox="1"/>
+          <p:nvPr/>
+        </p:nvSpPr>
+        <p:spPr>
+          <a:xfrm>
+            <a:off x="6415926" y="5721778"/>
+            <a:ext cx="1459315" cy="369332"/>
+          </a:xfrm>
+          <a:prstGeom prst="rect">
+            <a:avLst/>
+          </a:prstGeom>
+          <a:noFill/>
+        </p:spPr>
+        <p:txBody>
+          <a:bodyPr wrap="square" rtlCol="0">
+            <a:spAutoFit/>
+          </a:bodyPr>
+          <a:lstStyle/>
+          <a:p>
+            <a:r>
+              <a:rPr lang="en-US" altLang="ko-KR" dirty="0"/>
+              <a:t>position3</a:t>
+            </a:r>
+            <a:endParaRPr lang="ko-KR" altLang="en-US" dirty="0"/>
+          </a:p>
+        </p:txBody>
+      </p:sp>
     </p:spTree>
     <p:extLst>
       <p:ext uri="{BB962C8B-B14F-4D97-AF65-F5344CB8AC3E}">
         <p14:creationId xmlns:p14="http://schemas.microsoft.com/office/powerpoint/2010/main" val="3721747028"/>
+      </p:ext>
+    </p:extLst>
+  </p:cSld>
+  <p:clrMapOvr>
+    <a:masterClrMapping/>
+  </p:clrMapOvr>
+</p:sld>
+</file>
+
+<file path=ppt/slides/slide2.xml><?xml version="1.0" encoding="utf-8"?>
+<p:sld xmlns:a="http://schemas.openxmlformats.org/drawingml/2006/main" xmlns:r="http://schemas.openxmlformats.org/officeDocument/2006/relationships" xmlns:p="http://schemas.openxmlformats.org/presentationml/2006/main">
+  <p:cSld>
+    <p:spTree>
+      <p:nvGrpSpPr>
+        <p:cNvPr id="1" name="">
+          <a:extLst>
+            <a:ext uri="{FF2B5EF4-FFF2-40B4-BE49-F238E27FC236}">
+              <a16:creationId xmlns:a16="http://schemas.microsoft.com/office/drawing/2014/main" id="{78A412FC-A9D0-D806-9D46-FDA8B6AE3956}"/>
+            </a:ext>
+          </a:extLst>
+        </p:cNvPr>
+        <p:cNvGrpSpPr/>
+        <p:nvPr/>
+      </p:nvGrpSpPr>
+      <p:grpSpPr>
+        <a:xfrm>
+          <a:off x="0" y="0"/>
+          <a:ext cx="0" cy="0"/>
+          <a:chOff x="0" y="0"/>
+          <a:chExt cx="0" cy="0"/>
+        </a:xfrm>
+      </p:grpSpPr>
+      <p:grpSp>
+        <p:nvGrpSpPr>
+          <p:cNvPr id="22" name="그룹 21">
+            <a:extLst>
+              <a:ext uri="{FF2B5EF4-FFF2-40B4-BE49-F238E27FC236}">
+                <a16:creationId xmlns:a16="http://schemas.microsoft.com/office/drawing/2014/main" id="{912B0CD5-6FD3-4138-DB5E-94D2A7C96250}"/>
+              </a:ext>
+            </a:extLst>
+          </p:cNvPr>
+          <p:cNvGrpSpPr/>
+          <p:nvPr/>
+        </p:nvGrpSpPr>
+        <p:grpSpPr>
+          <a:xfrm>
+            <a:off x="1821197" y="1637125"/>
+            <a:ext cx="6153563" cy="2365057"/>
+            <a:chOff x="561357" y="1535748"/>
+            <a:chExt cx="6153563" cy="2365057"/>
+          </a:xfrm>
+        </p:grpSpPr>
+        <p:sp>
+          <p:nvSpPr>
+            <p:cNvPr id="2" name="TextBox 1">
+              <a:extLst>
+                <a:ext uri="{FF2B5EF4-FFF2-40B4-BE49-F238E27FC236}">
+                  <a16:creationId xmlns:a16="http://schemas.microsoft.com/office/drawing/2014/main" id="{FACAC3F9-D41B-ABB3-A2A6-5EC9A0983767}"/>
+                </a:ext>
+              </a:extLst>
+            </p:cNvPr>
+            <p:cNvSpPr txBox="1"/>
+            <p:nvPr/>
+          </p:nvSpPr>
+          <p:spPr>
+            <a:xfrm>
+              <a:off x="687683" y="1550306"/>
+              <a:ext cx="1459315" cy="369332"/>
+            </a:xfrm>
+            <a:prstGeom prst="rect">
+              <a:avLst/>
+            </a:prstGeom>
+            <a:noFill/>
+          </p:spPr>
+          <p:txBody>
+            <a:bodyPr wrap="square" rtlCol="0">
+              <a:spAutoFit/>
+            </a:bodyPr>
+            <a:lstStyle/>
+            <a:p>
+              <a:r>
+                <a:rPr lang="en-US" altLang="ko-KR" dirty="0"/>
+                <a:t>position1</a:t>
+              </a:r>
+              <a:endParaRPr lang="ko-KR" altLang="en-US" dirty="0"/>
+            </a:p>
+          </p:txBody>
+        </p:sp>
+        <p:sp>
+          <p:nvSpPr>
+            <p:cNvPr id="4" name="TextBox 3">
+              <a:extLst>
+                <a:ext uri="{FF2B5EF4-FFF2-40B4-BE49-F238E27FC236}">
+                  <a16:creationId xmlns:a16="http://schemas.microsoft.com/office/drawing/2014/main" id="{158A88CB-6143-93CD-DF68-2E592A36864D}"/>
+                </a:ext>
+              </a:extLst>
+            </p:cNvPr>
+            <p:cNvSpPr txBox="1"/>
+            <p:nvPr/>
+          </p:nvSpPr>
+          <p:spPr>
+            <a:xfrm>
+              <a:off x="2886447" y="1550306"/>
+              <a:ext cx="1459315" cy="369332"/>
+            </a:xfrm>
+            <a:prstGeom prst="rect">
+              <a:avLst/>
+            </a:prstGeom>
+            <a:noFill/>
+          </p:spPr>
+          <p:txBody>
+            <a:bodyPr wrap="square" rtlCol="0">
+              <a:spAutoFit/>
+            </a:bodyPr>
+            <a:lstStyle/>
+            <a:p>
+              <a:r>
+                <a:rPr lang="en-US" altLang="ko-KR" dirty="0"/>
+                <a:t>position2</a:t>
+              </a:r>
+              <a:endParaRPr lang="ko-KR" altLang="en-US" dirty="0"/>
+            </a:p>
+          </p:txBody>
+        </p:sp>
+        <p:sp>
+          <p:nvSpPr>
+            <p:cNvPr id="8" name="TextBox 7">
+              <a:extLst>
+                <a:ext uri="{FF2B5EF4-FFF2-40B4-BE49-F238E27FC236}">
+                  <a16:creationId xmlns:a16="http://schemas.microsoft.com/office/drawing/2014/main" id="{8933A22F-6E80-BB9C-AA95-6CE9F64A8617}"/>
+                </a:ext>
+              </a:extLst>
+            </p:cNvPr>
+            <p:cNvSpPr txBox="1"/>
+            <p:nvPr/>
+          </p:nvSpPr>
+          <p:spPr>
+            <a:xfrm>
+              <a:off x="5255605" y="1535748"/>
+              <a:ext cx="1459315" cy="369332"/>
+            </a:xfrm>
+            <a:prstGeom prst="rect">
+              <a:avLst/>
+            </a:prstGeom>
+            <a:noFill/>
+          </p:spPr>
+          <p:txBody>
+            <a:bodyPr wrap="square" rtlCol="0">
+              <a:spAutoFit/>
+            </a:bodyPr>
+            <a:lstStyle/>
+            <a:p>
+              <a:r>
+                <a:rPr lang="en-US" altLang="ko-KR" dirty="0"/>
+                <a:t>position3</a:t>
+              </a:r>
+              <a:endParaRPr lang="ko-KR" altLang="en-US" dirty="0"/>
+            </a:p>
+          </p:txBody>
+        </p:sp>
+        <p:sp>
+          <p:nvSpPr>
+            <p:cNvPr id="13" name="TextBox 12">
+              <a:extLst>
+                <a:ext uri="{FF2B5EF4-FFF2-40B4-BE49-F238E27FC236}">
+                  <a16:creationId xmlns:a16="http://schemas.microsoft.com/office/drawing/2014/main" id="{B83C06D7-FBA8-DA2E-F9D3-073759FCCBF2}"/>
+                </a:ext>
+              </a:extLst>
+            </p:cNvPr>
+            <p:cNvSpPr txBox="1"/>
+            <p:nvPr/>
+          </p:nvSpPr>
+          <p:spPr>
+            <a:xfrm>
+              <a:off x="561357" y="3483253"/>
+              <a:ext cx="1459315" cy="369332"/>
+            </a:xfrm>
+            <a:prstGeom prst="rect">
+              <a:avLst/>
+            </a:prstGeom>
+            <a:noFill/>
+          </p:spPr>
+          <p:txBody>
+            <a:bodyPr wrap="square" rtlCol="0">
+              <a:spAutoFit/>
+            </a:bodyPr>
+            <a:lstStyle/>
+            <a:p>
+              <a:r>
+                <a:rPr lang="en-US" altLang="ko-KR" dirty="0"/>
+                <a:t>position1</a:t>
+              </a:r>
+              <a:endParaRPr lang="ko-KR" altLang="en-US" dirty="0"/>
+            </a:p>
+          </p:txBody>
+        </p:sp>
+        <p:sp>
+          <p:nvSpPr>
+            <p:cNvPr id="17" name="TextBox 16">
+              <a:extLst>
+                <a:ext uri="{FF2B5EF4-FFF2-40B4-BE49-F238E27FC236}">
+                  <a16:creationId xmlns:a16="http://schemas.microsoft.com/office/drawing/2014/main" id="{04C99FDD-DDE5-105B-F6ED-6B956393DB02}"/>
+                </a:ext>
+              </a:extLst>
+            </p:cNvPr>
+            <p:cNvSpPr txBox="1"/>
+            <p:nvPr/>
+          </p:nvSpPr>
+          <p:spPr>
+            <a:xfrm>
+              <a:off x="2712487" y="3518448"/>
+              <a:ext cx="1459315" cy="369332"/>
+            </a:xfrm>
+            <a:prstGeom prst="rect">
+              <a:avLst/>
+            </a:prstGeom>
+            <a:noFill/>
+          </p:spPr>
+          <p:txBody>
+            <a:bodyPr wrap="square" rtlCol="0">
+              <a:spAutoFit/>
+            </a:bodyPr>
+            <a:lstStyle/>
+            <a:p>
+              <a:r>
+                <a:rPr lang="en-US" altLang="ko-KR" dirty="0"/>
+                <a:t>position2</a:t>
+              </a:r>
+              <a:endParaRPr lang="ko-KR" altLang="en-US" dirty="0"/>
+            </a:p>
+          </p:txBody>
+        </p:sp>
+        <p:sp>
+          <p:nvSpPr>
+            <p:cNvPr id="20" name="TextBox 19">
+              <a:extLst>
+                <a:ext uri="{FF2B5EF4-FFF2-40B4-BE49-F238E27FC236}">
+                  <a16:creationId xmlns:a16="http://schemas.microsoft.com/office/drawing/2014/main" id="{21730E00-EC7D-DB56-ABDA-E037A1004608}"/>
+                </a:ext>
+              </a:extLst>
+            </p:cNvPr>
+            <p:cNvSpPr txBox="1"/>
+            <p:nvPr/>
+          </p:nvSpPr>
+          <p:spPr>
+            <a:xfrm>
+              <a:off x="5255604" y="3531473"/>
+              <a:ext cx="1459315" cy="369332"/>
+            </a:xfrm>
+            <a:prstGeom prst="rect">
+              <a:avLst/>
+            </a:prstGeom>
+            <a:noFill/>
+          </p:spPr>
+          <p:txBody>
+            <a:bodyPr wrap="square" rtlCol="0">
+              <a:spAutoFit/>
+            </a:bodyPr>
+            <a:lstStyle/>
+            <a:p>
+              <a:r>
+                <a:rPr lang="en-US" altLang="ko-KR" dirty="0"/>
+                <a:t>position3</a:t>
+              </a:r>
+              <a:endParaRPr lang="ko-KR" altLang="en-US" dirty="0"/>
+            </a:p>
+          </p:txBody>
+        </p:sp>
+      </p:grpSp>
+      <p:sp>
+        <p:nvSpPr>
+          <p:cNvPr id="25" name="TextBox 24">
+            <a:extLst>
+              <a:ext uri="{FF2B5EF4-FFF2-40B4-BE49-F238E27FC236}">
+                <a16:creationId xmlns:a16="http://schemas.microsoft.com/office/drawing/2014/main" id="{79C73539-0108-1981-26BE-6B0AE0C1B9D6}"/>
+              </a:ext>
+            </a:extLst>
+          </p:cNvPr>
+          <p:cNvSpPr txBox="1"/>
+          <p:nvPr/>
+        </p:nvSpPr>
+        <p:spPr>
+          <a:xfrm>
+            <a:off x="1848004" y="5736336"/>
+            <a:ext cx="1459315" cy="369332"/>
+          </a:xfrm>
+          <a:prstGeom prst="rect">
+            <a:avLst/>
+          </a:prstGeom>
+          <a:noFill/>
+        </p:spPr>
+        <p:txBody>
+          <a:bodyPr wrap="square" rtlCol="0">
+            <a:spAutoFit/>
+          </a:bodyPr>
+          <a:lstStyle/>
+          <a:p>
+            <a:r>
+              <a:rPr lang="en-US" altLang="ko-KR" dirty="0"/>
+              <a:t>position1</a:t>
+            </a:r>
+            <a:endParaRPr lang="ko-KR" altLang="en-US" dirty="0"/>
+          </a:p>
+        </p:txBody>
+      </p:sp>
+      <p:sp>
+        <p:nvSpPr>
+          <p:cNvPr id="27" name="TextBox 26">
+            <a:extLst>
+              <a:ext uri="{FF2B5EF4-FFF2-40B4-BE49-F238E27FC236}">
+                <a16:creationId xmlns:a16="http://schemas.microsoft.com/office/drawing/2014/main" id="{9C5D5AAB-D0A1-B40D-BEB7-BEC76E16AC68}"/>
+              </a:ext>
+            </a:extLst>
+          </p:cNvPr>
+          <p:cNvSpPr txBox="1"/>
+          <p:nvPr/>
+        </p:nvSpPr>
+        <p:spPr>
+          <a:xfrm>
+            <a:off x="4046768" y="5736336"/>
+            <a:ext cx="1459315" cy="369332"/>
+          </a:xfrm>
+          <a:prstGeom prst="rect">
+            <a:avLst/>
+          </a:prstGeom>
+          <a:noFill/>
+        </p:spPr>
+        <p:txBody>
+          <a:bodyPr wrap="square" rtlCol="0">
+            <a:spAutoFit/>
+          </a:bodyPr>
+          <a:lstStyle/>
+          <a:p>
+            <a:r>
+              <a:rPr lang="en-US" altLang="ko-KR" dirty="0"/>
+              <a:t>position2</a:t>
+            </a:r>
+            <a:endParaRPr lang="ko-KR" altLang="en-US" dirty="0"/>
+          </a:p>
+        </p:txBody>
+      </p:sp>
+      <p:sp>
+        <p:nvSpPr>
+          <p:cNvPr id="29" name="TextBox 28">
+            <a:extLst>
+              <a:ext uri="{FF2B5EF4-FFF2-40B4-BE49-F238E27FC236}">
+                <a16:creationId xmlns:a16="http://schemas.microsoft.com/office/drawing/2014/main" id="{922D9EED-ED33-6311-5FD3-3E49208E4112}"/>
+              </a:ext>
+            </a:extLst>
+          </p:cNvPr>
+          <p:cNvSpPr txBox="1"/>
+          <p:nvPr/>
+        </p:nvSpPr>
+        <p:spPr>
+          <a:xfrm>
+            <a:off x="6415926" y="5721778"/>
+            <a:ext cx="1459315" cy="369332"/>
+          </a:xfrm>
+          <a:prstGeom prst="rect">
+            <a:avLst/>
+          </a:prstGeom>
+          <a:noFill/>
+        </p:spPr>
+        <p:txBody>
+          <a:bodyPr wrap="square" rtlCol="0">
+            <a:spAutoFit/>
+          </a:bodyPr>
+          <a:lstStyle/>
+          <a:p>
+            <a:r>
+              <a:rPr lang="en-US" altLang="ko-KR" dirty="0"/>
+              <a:t>position3</a:t>
+            </a:r>
+            <a:endParaRPr lang="ko-KR" altLang="en-US" dirty="0"/>
+          </a:p>
+        </p:txBody>
+      </p:sp>
+      <p:pic>
+        <p:nvPicPr>
+          <p:cNvPr id="33" name="그림 32" descr="상징, 직사각형, 사각형, 디자인이(가) 표시된 사진&#10;&#10;AI 생성 콘텐츠는 정확하지 않을 수 있습니다.">
+            <a:extLst>
+              <a:ext uri="{FF2B5EF4-FFF2-40B4-BE49-F238E27FC236}">
+                <a16:creationId xmlns:a16="http://schemas.microsoft.com/office/drawing/2014/main" id="{5D444899-520F-F694-0852-7EDA0D81590D}"/>
+              </a:ext>
+            </a:extLst>
+          </p:cNvPr>
+          <p:cNvPicPr>
+            <a:picLocks noChangeAspect="1"/>
+          </p:cNvPicPr>
+          <p:nvPr/>
+        </p:nvPicPr>
+        <p:blipFill>
+          <a:blip r:embed="rId2">
+            <a:extLst>
+              <a:ext uri="{28A0092B-C50C-407E-A947-70E740481C1C}">
+                <a14:useLocalDpi xmlns:a14="http://schemas.microsoft.com/office/drawing/2010/main" val="0"/>
+              </a:ext>
+            </a:extLst>
+          </a:blip>
+          <a:stretch>
+            <a:fillRect/>
+          </a:stretch>
+        </p:blipFill>
+        <p:spPr>
+          <a:xfrm>
+            <a:off x="6749942" y="599300"/>
+            <a:ext cx="661975" cy="656542"/>
+          </a:xfrm>
+          <a:prstGeom prst="rect">
+            <a:avLst/>
+          </a:prstGeom>
+        </p:spPr>
+      </p:pic>
+      <p:pic>
+        <p:nvPicPr>
+          <p:cNvPr id="35" name="그림 34" descr="직사각형, 상징, 사각형, 디자인이(가) 표시된 사진&#10;&#10;AI 생성 콘텐츠는 정확하지 않을 수 있습니다.">
+            <a:extLst>
+              <a:ext uri="{FF2B5EF4-FFF2-40B4-BE49-F238E27FC236}">
+                <a16:creationId xmlns:a16="http://schemas.microsoft.com/office/drawing/2014/main" id="{634406D3-D8E2-45A3-BD8C-2C5FFA796910}"/>
+              </a:ext>
+            </a:extLst>
+          </p:cNvPr>
+          <p:cNvPicPr>
+            <a:picLocks noChangeAspect="1"/>
+          </p:cNvPicPr>
+          <p:nvPr/>
+        </p:nvPicPr>
+        <p:blipFill>
+          <a:blip r:embed="rId3">
+            <a:extLst>
+              <a:ext uri="{28A0092B-C50C-407E-A947-70E740481C1C}">
+                <a14:useLocalDpi xmlns:a14="http://schemas.microsoft.com/office/drawing/2010/main" val="0"/>
+              </a:ext>
+            </a:extLst>
+          </a:blip>
+          <a:stretch>
+            <a:fillRect/>
+          </a:stretch>
+        </p:blipFill>
+        <p:spPr>
+          <a:xfrm>
+            <a:off x="2198182" y="599300"/>
+            <a:ext cx="657435" cy="656542"/>
+          </a:xfrm>
+          <a:prstGeom prst="rect">
+            <a:avLst/>
+          </a:prstGeom>
+        </p:spPr>
+      </p:pic>
+      <p:pic>
+        <p:nvPicPr>
+          <p:cNvPr id="37" name="그림 36" descr="상징, 직사각형, 사각형, 디자인이(가) 표시된 사진&#10;&#10;AI 생성 콘텐츠는 정확하지 않을 수 있습니다.">
+            <a:extLst>
+              <a:ext uri="{FF2B5EF4-FFF2-40B4-BE49-F238E27FC236}">
+                <a16:creationId xmlns:a16="http://schemas.microsoft.com/office/drawing/2014/main" id="{2F272A34-72D0-3CAF-73DF-EB2D4F8C2EB1}"/>
+              </a:ext>
+            </a:extLst>
+          </p:cNvPr>
+          <p:cNvPicPr>
+            <a:picLocks noChangeAspect="1"/>
+          </p:cNvPicPr>
+          <p:nvPr/>
+        </p:nvPicPr>
+        <p:blipFill>
+          <a:blip r:embed="rId4">
+            <a:extLst>
+              <a:ext uri="{28A0092B-C50C-407E-A947-70E740481C1C}">
+                <a14:useLocalDpi xmlns:a14="http://schemas.microsoft.com/office/drawing/2010/main" val="0"/>
+              </a:ext>
+            </a:extLst>
+          </a:blip>
+          <a:stretch>
+            <a:fillRect/>
+          </a:stretch>
+        </p:blipFill>
+        <p:spPr>
+          <a:xfrm>
+            <a:off x="4367808" y="599300"/>
+            <a:ext cx="660149" cy="656542"/>
+          </a:xfrm>
+          <a:prstGeom prst="rect">
+            <a:avLst/>
+          </a:prstGeom>
+        </p:spPr>
+      </p:pic>
+      <p:pic>
+        <p:nvPicPr>
+          <p:cNvPr id="3" name="그림 2" descr="상징, 직사각형, 사각형, 디자인이(가) 표시된 사진&#10;&#10;AI 생성 콘텐츠는 정확하지 않을 수 있습니다.">
+            <a:extLst>
+              <a:ext uri="{FF2B5EF4-FFF2-40B4-BE49-F238E27FC236}">
+                <a16:creationId xmlns:a16="http://schemas.microsoft.com/office/drawing/2014/main" id="{2DDBB2B4-C156-4F97-741B-221F0C4BC0AD}"/>
+              </a:ext>
+            </a:extLst>
+          </p:cNvPr>
+          <p:cNvPicPr>
+            <a:picLocks noChangeAspect="1"/>
+          </p:cNvPicPr>
+          <p:nvPr/>
+        </p:nvPicPr>
+        <p:blipFill>
+          <a:blip r:embed="rId2">
+            <a:extLst>
+              <a:ext uri="{28A0092B-C50C-407E-A947-70E740481C1C}">
+                <a14:useLocalDpi xmlns:a14="http://schemas.microsoft.com/office/drawing/2010/main" val="0"/>
+              </a:ext>
+            </a:extLst>
+          </a:blip>
+          <a:stretch>
+            <a:fillRect/>
+          </a:stretch>
+        </p:blipFill>
+        <p:spPr>
+          <a:xfrm>
+            <a:off x="6685290" y="2502451"/>
+            <a:ext cx="791280" cy="784786"/>
+          </a:xfrm>
+          <a:prstGeom prst="rect">
+            <a:avLst/>
+          </a:prstGeom>
+        </p:spPr>
+      </p:pic>
+      <p:pic>
+        <p:nvPicPr>
+          <p:cNvPr id="5" name="그림 4" descr="직사각형, 상징, 사각형, 디자인이(가) 표시된 사진&#10;&#10;AI 생성 콘텐츠는 정확하지 않을 수 있습니다.">
+            <a:extLst>
+              <a:ext uri="{FF2B5EF4-FFF2-40B4-BE49-F238E27FC236}">
+                <a16:creationId xmlns:a16="http://schemas.microsoft.com/office/drawing/2014/main" id="{241BB0E6-3A18-93A4-A632-4A1C762DC449}"/>
+              </a:ext>
+            </a:extLst>
+          </p:cNvPr>
+          <p:cNvPicPr>
+            <a:picLocks noChangeAspect="1"/>
+          </p:cNvPicPr>
+          <p:nvPr/>
+        </p:nvPicPr>
+        <p:blipFill>
+          <a:blip r:embed="rId3">
+            <a:extLst>
+              <a:ext uri="{28A0092B-C50C-407E-A947-70E740481C1C}">
+                <a14:useLocalDpi xmlns:a14="http://schemas.microsoft.com/office/drawing/2010/main" val="0"/>
+              </a:ext>
+            </a:extLst>
+          </a:blip>
+          <a:stretch>
+            <a:fillRect/>
+          </a:stretch>
+        </p:blipFill>
+        <p:spPr>
+          <a:xfrm>
+            <a:off x="1947523" y="2502451"/>
+            <a:ext cx="785853" cy="784786"/>
+          </a:xfrm>
+          <a:prstGeom prst="rect">
+            <a:avLst/>
+          </a:prstGeom>
+        </p:spPr>
+      </p:pic>
+      <p:pic>
+        <p:nvPicPr>
+          <p:cNvPr id="11" name="그림 10" descr="상징, 직사각형, 사각형, 디자인이(가) 표시된 사진&#10;&#10;AI 생성 콘텐츠는 정확하지 않을 수 있습니다.">
+            <a:extLst>
+              <a:ext uri="{FF2B5EF4-FFF2-40B4-BE49-F238E27FC236}">
+                <a16:creationId xmlns:a16="http://schemas.microsoft.com/office/drawing/2014/main" id="{2DB0A0CF-5C7E-AFCA-DC94-BA4067F1BA48}"/>
+              </a:ext>
+            </a:extLst>
+          </p:cNvPr>
+          <p:cNvPicPr>
+            <a:picLocks noChangeAspect="1"/>
+          </p:cNvPicPr>
+          <p:nvPr/>
+        </p:nvPicPr>
+        <p:blipFill>
+          <a:blip r:embed="rId4">
+            <a:extLst>
+              <a:ext uri="{28A0092B-C50C-407E-A947-70E740481C1C}">
+                <a14:useLocalDpi xmlns:a14="http://schemas.microsoft.com/office/drawing/2010/main" val="0"/>
+              </a:ext>
+            </a:extLst>
+          </a:blip>
+          <a:stretch>
+            <a:fillRect/>
+          </a:stretch>
+        </p:blipFill>
+        <p:spPr>
+          <a:xfrm>
+            <a:off x="4195691" y="2502451"/>
+            <a:ext cx="789098" cy="784786"/>
+          </a:xfrm>
+          <a:prstGeom prst="rect">
+            <a:avLst/>
+          </a:prstGeom>
+        </p:spPr>
+      </p:pic>
+      <p:pic>
+        <p:nvPicPr>
+          <p:cNvPr id="14" name="그림 13" descr="상징, 직사각형, 사각형, 디자인이(가) 표시된 사진&#10;&#10;AI 생성 콘텐츠는 정확하지 않을 수 있습니다.">
+            <a:extLst>
+              <a:ext uri="{FF2B5EF4-FFF2-40B4-BE49-F238E27FC236}">
+                <a16:creationId xmlns:a16="http://schemas.microsoft.com/office/drawing/2014/main" id="{3CAE1DD8-177A-2B09-3D80-CB0AE40AD48D}"/>
+              </a:ext>
+            </a:extLst>
+          </p:cNvPr>
+          <p:cNvPicPr>
+            <a:picLocks noChangeAspect="1"/>
+          </p:cNvPicPr>
+          <p:nvPr/>
+        </p:nvPicPr>
+        <p:blipFill>
+          <a:blip r:embed="rId2">
+            <a:extLst>
+              <a:ext uri="{28A0092B-C50C-407E-A947-70E740481C1C}">
+                <a14:useLocalDpi xmlns:a14="http://schemas.microsoft.com/office/drawing/2010/main" val="0"/>
+              </a:ext>
+            </a:extLst>
+          </a:blip>
+          <a:stretch>
+            <a:fillRect/>
+          </a:stretch>
+        </p:blipFill>
+        <p:spPr>
+          <a:xfrm>
+            <a:off x="6736053" y="4851064"/>
+            <a:ext cx="546803" cy="542315"/>
+          </a:xfrm>
+          <a:prstGeom prst="rect">
+            <a:avLst/>
+          </a:prstGeom>
+        </p:spPr>
+      </p:pic>
+      <p:pic>
+        <p:nvPicPr>
+          <p:cNvPr id="18" name="그림 17" descr="직사각형, 상징, 사각형, 디자인이(가) 표시된 사진&#10;&#10;AI 생성 콘텐츠는 정확하지 않을 수 있습니다.">
+            <a:extLst>
+              <a:ext uri="{FF2B5EF4-FFF2-40B4-BE49-F238E27FC236}">
+                <a16:creationId xmlns:a16="http://schemas.microsoft.com/office/drawing/2014/main" id="{81B75BA8-D248-7ED6-D3C7-138C98126FA0}"/>
+              </a:ext>
+            </a:extLst>
+          </p:cNvPr>
+          <p:cNvPicPr>
+            <a:picLocks noChangeAspect="1"/>
+          </p:cNvPicPr>
+          <p:nvPr/>
+        </p:nvPicPr>
+        <p:blipFill>
+          <a:blip r:embed="rId3">
+            <a:extLst>
+              <a:ext uri="{28A0092B-C50C-407E-A947-70E740481C1C}">
+                <a14:useLocalDpi xmlns:a14="http://schemas.microsoft.com/office/drawing/2010/main" val="0"/>
+              </a:ext>
+            </a:extLst>
+          </a:blip>
+          <a:stretch>
+            <a:fillRect/>
+          </a:stretch>
+        </p:blipFill>
+        <p:spPr>
+          <a:xfrm>
+            <a:off x="2119640" y="4851544"/>
+            <a:ext cx="543053" cy="542316"/>
+          </a:xfrm>
+          <a:prstGeom prst="rect">
+            <a:avLst/>
+          </a:prstGeom>
+        </p:spPr>
+      </p:pic>
+      <p:pic>
+        <p:nvPicPr>
+          <p:cNvPr id="21" name="그림 20" descr="상징, 직사각형, 사각형, 디자인이(가) 표시된 사진&#10;&#10;AI 생성 콘텐츠는 정확하지 않을 수 있습니다.">
+            <a:extLst>
+              <a:ext uri="{FF2B5EF4-FFF2-40B4-BE49-F238E27FC236}">
+                <a16:creationId xmlns:a16="http://schemas.microsoft.com/office/drawing/2014/main" id="{E4C7B27D-280B-3598-6FCD-1ABED8AA698F}"/>
+              </a:ext>
+            </a:extLst>
+          </p:cNvPr>
+          <p:cNvPicPr>
+            <a:picLocks noChangeAspect="1"/>
+          </p:cNvPicPr>
+          <p:nvPr/>
+        </p:nvPicPr>
+        <p:blipFill>
+          <a:blip r:embed="rId4">
+            <a:extLst>
+              <a:ext uri="{28A0092B-C50C-407E-A947-70E740481C1C}">
+                <a14:useLocalDpi xmlns:a14="http://schemas.microsoft.com/office/drawing/2010/main" val="0"/>
+              </a:ext>
+            </a:extLst>
+          </a:blip>
+          <a:stretch>
+            <a:fillRect/>
+          </a:stretch>
+        </p:blipFill>
+        <p:spPr>
+          <a:xfrm>
+            <a:off x="4367808" y="4851544"/>
+            <a:ext cx="545295" cy="542315"/>
+          </a:xfrm>
+          <a:prstGeom prst="rect">
+            <a:avLst/>
+          </a:prstGeom>
+        </p:spPr>
+      </p:pic>
+    </p:spTree>
+    <p:extLst>
+      <p:ext uri="{BB962C8B-B14F-4D97-AF65-F5344CB8AC3E}">
+        <p14:creationId xmlns:p14="http://schemas.microsoft.com/office/powerpoint/2010/main" val="778853921"/>
+      </p:ext>
+    </p:extLst>
+  </p:cSld>
+  <p:clrMapOvr>
+    <a:masterClrMapping/>
+  </p:clrMapOvr>
+</p:sld>
+</file>
+
+<file path=ppt/slides/slide3.xml><?xml version="1.0" encoding="utf-8"?>
+<p:sld xmlns:a="http://schemas.openxmlformats.org/drawingml/2006/main" xmlns:r="http://schemas.openxmlformats.org/officeDocument/2006/relationships" xmlns:p="http://schemas.openxmlformats.org/presentationml/2006/main">
+  <p:cSld>
+    <p:spTree>
+      <p:nvGrpSpPr>
+        <p:cNvPr id="1" name=""/>
+        <p:cNvGrpSpPr/>
+        <p:nvPr/>
+      </p:nvGrpSpPr>
+      <p:grpSpPr>
+        <a:xfrm>
+          <a:off x="0" y="0"/>
+          <a:ext cx="0" cy="0"/>
+          <a:chOff x="0" y="0"/>
+          <a:chExt cx="0" cy="0"/>
+        </a:xfrm>
+      </p:grpSpPr>
+      <p:grpSp>
+        <p:nvGrpSpPr>
+          <p:cNvPr id="7" name="그룹 6">
+            <a:extLst>
+              <a:ext uri="{FF2B5EF4-FFF2-40B4-BE49-F238E27FC236}">
+                <a16:creationId xmlns:a16="http://schemas.microsoft.com/office/drawing/2014/main" id="{DC56176A-B380-BA92-A0AB-3EC08B3BD051}"/>
+              </a:ext>
+            </a:extLst>
+          </p:cNvPr>
+          <p:cNvGrpSpPr/>
+          <p:nvPr/>
+        </p:nvGrpSpPr>
+        <p:grpSpPr>
+          <a:xfrm>
+            <a:off x="1930400" y="579120"/>
+            <a:ext cx="8585200" cy="6278880"/>
+            <a:chOff x="1930400" y="579120"/>
+            <a:chExt cx="8585200" cy="6278880"/>
+          </a:xfrm>
+        </p:grpSpPr>
+        <p:sp>
+          <p:nvSpPr>
+            <p:cNvPr id="6" name="직사각형 5">
+              <a:extLst>
+                <a:ext uri="{FF2B5EF4-FFF2-40B4-BE49-F238E27FC236}">
+                  <a16:creationId xmlns:a16="http://schemas.microsoft.com/office/drawing/2014/main" id="{4339EB0D-4C0E-DFDF-654E-A9B825C76A67}"/>
+                </a:ext>
+              </a:extLst>
+            </p:cNvPr>
+            <p:cNvSpPr/>
+            <p:nvPr/>
+          </p:nvSpPr>
+          <p:spPr>
+            <a:xfrm>
+              <a:off x="1930400" y="579120"/>
+              <a:ext cx="8585200" cy="6278880"/>
+            </a:xfrm>
+            <a:prstGeom prst="rect">
+              <a:avLst/>
+            </a:prstGeom>
+            <a:solidFill>
+              <a:schemeClr val="bg1"/>
+            </a:solidFill>
+          </p:spPr>
+          <p:style>
+            <a:lnRef idx="2">
+              <a:schemeClr val="accent1">
+                <a:shade val="15000"/>
+              </a:schemeClr>
+            </a:lnRef>
+            <a:fillRef idx="1">
+              <a:schemeClr val="accent1"/>
+            </a:fillRef>
+            <a:effectRef idx="0">
+              <a:schemeClr val="accent1"/>
+            </a:effectRef>
+            <a:fontRef idx="minor">
+              <a:schemeClr val="lt1"/>
+            </a:fontRef>
+          </p:style>
+          <p:txBody>
+            <a:bodyPr rtlCol="0" anchor="ctr"/>
+            <a:lstStyle/>
+            <a:p>
+              <a:pPr algn="ctr"/>
+              <a:endParaRPr lang="ko-KR" altLang="en-US"/>
+            </a:p>
+          </p:txBody>
+        </p:sp>
+        <p:pic>
+          <p:nvPicPr>
+            <p:cNvPr id="5" name="그림 4" descr="직사각형, 상징, 사각형, 디자인이(가) 표시된 사진&#10;&#10;AI 생성 콘텐츠는 정확하지 않을 수 있습니다.">
+              <a:extLst>
+                <a:ext uri="{FF2B5EF4-FFF2-40B4-BE49-F238E27FC236}">
+                  <a16:creationId xmlns:a16="http://schemas.microsoft.com/office/drawing/2014/main" id="{7CCA356C-4109-5F66-46D9-837CC90F6965}"/>
+                </a:ext>
+              </a:extLst>
+            </p:cNvPr>
+            <p:cNvPicPr>
+              <a:picLocks noChangeAspect="1"/>
+            </p:cNvPicPr>
+            <p:nvPr/>
+          </p:nvPicPr>
+          <p:blipFill>
+            <a:blip r:embed="rId2">
+              <a:extLst>
+                <a:ext uri="{28A0092B-C50C-407E-A947-70E740481C1C}">
+                  <a14:useLocalDpi xmlns:a14="http://schemas.microsoft.com/office/drawing/2010/main" val="0"/>
+                </a:ext>
+              </a:extLst>
+            </a:blip>
+            <a:stretch>
+              <a:fillRect/>
+            </a:stretch>
+          </p:blipFill>
+          <p:spPr>
+            <a:xfrm>
+              <a:off x="5440558" y="2647621"/>
+              <a:ext cx="1564883" cy="1562757"/>
+            </a:xfrm>
+            <a:prstGeom prst="rect">
+              <a:avLst/>
+            </a:prstGeom>
+          </p:spPr>
+        </p:pic>
+      </p:grpSp>
+    </p:spTree>
+    <p:extLst>
+      <p:ext uri="{BB962C8B-B14F-4D97-AF65-F5344CB8AC3E}">
+        <p14:creationId xmlns:p14="http://schemas.microsoft.com/office/powerpoint/2010/main" val="558941033"/>
       </p:ext>
     </p:extLst>
   </p:cSld>
